--- a/Prokarma/Magnetic Work Environment.pptx
+++ b/Prokarma/Magnetic Work Environment.pptx
@@ -11988,8 +11988,16 @@
               <a:buChar char="ü"/>
             </a:pPr>
             <a:r>
-              <a:rPr lang="en-US" sz="2000" dirty="0" smtClean="0"/>
-              <a:t>Research  : Why few games are successful and few games are not successful ?</a:t>
+              <a:rPr lang="en-US" sz="1600" b="1" u="sng" dirty="0" smtClean="0"/>
+              <a:t>Research</a:t>
+            </a:r>
+            <a:r>
+              <a:rPr lang="en-US" sz="1600" dirty="0" smtClean="0"/>
+              <a:t> : </a:t>
+            </a:r>
+            <a:r>
+              <a:rPr lang="en-US" sz="1600" dirty="0" smtClean="0"/>
+              <a:t>Why few games are successful and few games are not successful ?</a:t>
             </a:r>
           </a:p>
           <a:p>
@@ -11998,7 +12006,7 @@
               <a:buChar char="ü"/>
             </a:pPr>
             <a:r>
-              <a:rPr lang="en-US" sz="1700" dirty="0" smtClean="0"/>
+              <a:rPr lang="en-US" sz="1600" dirty="0" smtClean="0"/>
               <a:t>Games that fulfill psychological needs of human being are successful</a:t>
             </a:r>
           </a:p>
@@ -12008,12 +12016,8 @@
               <a:buChar char="ü"/>
             </a:pPr>
             <a:r>
-              <a:rPr lang="en-US" sz="1700" dirty="0" smtClean="0"/>
-              <a:t>When targets are clear with consistent feedback , immediate recognition and progressive difficulty , we can’t hel</a:t>
-            </a:r>
-            <a:r>
-              <a:rPr lang="en-US" sz="1700" dirty="0" smtClean="0"/>
-              <a:t>p but become absorbed</a:t>
+              <a:rPr lang="en-US" sz="1600" dirty="0" smtClean="0"/>
+              <a:t>When targets are clear with consistent feedback , immediate recognition and progressive difficulty , we can’t help but become absorbed</a:t>
             </a:r>
           </a:p>
           <a:p>
@@ -12043,13 +12047,8 @@
             </a:pPr>
             <a:r>
               <a:rPr lang="en-US" sz="1400" dirty="0" smtClean="0"/>
-              <a:t>Chess </a:t>
-            </a:r>
-            <a:r>
-              <a:rPr lang="en-US" sz="1400" smtClean="0"/>
-              <a:t>Game offline</a:t>
-            </a:r>
-            <a:endParaRPr lang="en-US" sz="1400" dirty="0" smtClean="0"/>
+              <a:t>Chess Game offline</a:t>
+            </a:r>
           </a:p>
           <a:p>
             <a:pPr lvl="1">
@@ -12058,9 +12057,34 @@
             </a:pPr>
             <a:r>
               <a:rPr lang="en-US" sz="1700" dirty="0" smtClean="0"/>
-              <a:t>We should build a similar work environment to engage employees</a:t>
-            </a:r>
-            <a:endParaRPr lang="en-US" sz="1700" dirty="0" smtClean="0"/>
+              <a:t>We should build a similar work environment to engage </a:t>
+            </a:r>
+            <a:r>
+              <a:rPr lang="en-US" sz="1700" dirty="0" smtClean="0"/>
+              <a:t>employees</a:t>
+            </a:r>
+            <a:endParaRPr lang="en-US" sz="2000" dirty="0" smtClean="0"/>
+          </a:p>
+          <a:p>
+            <a:pPr>
+              <a:buFont typeface="Wingdings" pitchFamily="2" charset="2"/>
+              <a:buChar char="ü"/>
+            </a:pPr>
+            <a:endParaRPr lang="en-US" sz="2000" dirty="0"/>
+          </a:p>
+          <a:p>
+            <a:pPr>
+              <a:buFont typeface="Wingdings" pitchFamily="2" charset="2"/>
+              <a:buChar char="ü"/>
+            </a:pPr>
+            <a:r>
+              <a:rPr lang="en-US" sz="1600" b="1" u="sng" dirty="0" smtClean="0"/>
+              <a:t>Action Items </a:t>
+            </a:r>
+            <a:r>
+              <a:rPr lang="en-US" sz="1600" dirty="0" smtClean="0"/>
+              <a:t>:</a:t>
+            </a:r>
           </a:p>
           <a:p>
             <a:pPr lvl="1">
@@ -12068,8 +12092,8 @@
               <a:buChar char="ü"/>
             </a:pPr>
             <a:r>
-              <a:rPr lang="en-US" sz="2000" dirty="0" smtClean="0"/>
-              <a:t>Who is engaged  employee ?</a:t>
+              <a:rPr lang="en-US" sz="1300" dirty="0" smtClean="0"/>
+              <a:t>Feedback cycles need to implemented which are more powerful than performance reviews</a:t>
             </a:r>
           </a:p>
           <a:p>
@@ -12078,8 +12102,8 @@
               <a:buChar char="ü"/>
             </a:pPr>
             <a:r>
-              <a:rPr lang="en-US" sz="2000" dirty="0" smtClean="0"/>
-              <a:t>Where do we get them ?</a:t>
+              <a:rPr lang="en-US" sz="1300" dirty="0" smtClean="0"/>
+              <a:t>Make leads more accountable and more powerful</a:t>
             </a:r>
           </a:p>
           <a:p>
@@ -12088,43 +12112,28 @@
               <a:buChar char="ü"/>
             </a:pPr>
             <a:r>
-              <a:rPr lang="en-US" sz="2000" dirty="0" smtClean="0"/>
-              <a:t>RESPECT model </a:t>
-            </a:r>
+              <a:rPr lang="en-US" sz="1300" dirty="0" smtClean="0"/>
+              <a:t>Action items to focus on </a:t>
+            </a:r>
+            <a:r>
+              <a:rPr lang="en-US" sz="1300" smtClean="0"/>
+              <a:t>progressive difficulty</a:t>
+            </a:r>
+            <a:endParaRPr lang="en-US" sz="1300" dirty="0" smtClean="0"/>
           </a:p>
           <a:p>
             <a:pPr lvl="1">
               <a:buFont typeface="Wingdings" pitchFamily="2" charset="2"/>
               <a:buChar char="ü"/>
             </a:pPr>
-            <a:r>
-              <a:rPr lang="en-US" sz="2000" dirty="0" smtClean="0"/>
-              <a:t>Q12 Questions</a:t>
-            </a:r>
+            <a:endParaRPr lang="en-US" sz="1300" dirty="0" smtClean="0"/>
           </a:p>
           <a:p>
             <a:pPr lvl="1">
               <a:buFont typeface="Wingdings" pitchFamily="2" charset="2"/>
               <a:buChar char="ü"/>
             </a:pPr>
-            <a:r>
-              <a:rPr lang="en-US" sz="2000" dirty="0" smtClean="0"/>
-              <a:t>Today my presentation starts with explaining importance of those 12 questions and do a deep dive into employee engagement before I talk about action items</a:t>
-            </a:r>
-          </a:p>
-          <a:p>
-            <a:pPr>
-              <a:buFont typeface="Wingdings" pitchFamily="2" charset="2"/>
-              <a:buChar char="ü"/>
-            </a:pPr>
-            <a:endParaRPr lang="en-US" sz="2000" dirty="0"/>
-          </a:p>
-          <a:p>
-            <a:pPr>
-              <a:buFont typeface="Wingdings" pitchFamily="2" charset="2"/>
-              <a:buChar char="ü"/>
-            </a:pPr>
-            <a:endParaRPr lang="en-US" sz="2000" dirty="0"/>
+            <a:endParaRPr lang="en-US" sz="1300" dirty="0"/>
           </a:p>
         </p:txBody>
       </p:sp>
@@ -12599,7 +12608,7 @@
                                         <p:tgtEl>
                                           <p:spTgt spid="4">
                                             <p:txEl>
-                                              <p:pRg st="7" end="7"/>
+                                              <p:pRg st="8" end="8"/>
                                             </p:txEl>
                                           </p:spTgt>
                                         </p:tgtEl>
@@ -12617,7 +12626,7 @@
                                         <p:tgtEl>
                                           <p:spTgt spid="4">
                                             <p:txEl>
-                                              <p:pRg st="7" end="7"/>
+                                              <p:pRg st="8" end="8"/>
                                             </p:txEl>
                                           </p:spTgt>
                                         </p:tgtEl>
@@ -12660,7 +12669,7 @@
                                         <p:tgtEl>
                                           <p:spTgt spid="4">
                                             <p:txEl>
-                                              <p:pRg st="8" end="8"/>
+                                              <p:pRg st="9" end="9"/>
                                             </p:txEl>
                                           </p:spTgt>
                                         </p:tgtEl>
@@ -12678,7 +12687,7 @@
                                         <p:tgtEl>
                                           <p:spTgt spid="4">
                                             <p:txEl>
-                                              <p:pRg st="8" end="8"/>
+                                              <p:pRg st="9" end="9"/>
                                             </p:txEl>
                                           </p:spTgt>
                                         </p:tgtEl>
@@ -12721,7 +12730,7 @@
                                         <p:tgtEl>
                                           <p:spTgt spid="4">
                                             <p:txEl>
-                                              <p:pRg st="9" end="9"/>
+                                              <p:pRg st="10" end="10"/>
                                             </p:txEl>
                                           </p:spTgt>
                                         </p:tgtEl>
@@ -12739,7 +12748,7 @@
                                         <p:tgtEl>
                                           <p:spTgt spid="4">
                                             <p:txEl>
-                                              <p:pRg st="9" end="9"/>
+                                              <p:pRg st="10" end="10"/>
                                             </p:txEl>
                                           </p:spTgt>
                                         </p:tgtEl>
@@ -12782,7 +12791,7 @@
                                         <p:tgtEl>
                                           <p:spTgt spid="4">
                                             <p:txEl>
-                                              <p:pRg st="10" end="10"/>
+                                              <p:pRg st="11" end="11"/>
                                             </p:txEl>
                                           </p:spTgt>
                                         </p:tgtEl>
@@ -12797,67 +12806,6 @@
                                     <p:animEffect transition="in" filter="blinds(horizontal)">
                                       <p:cBhvr>
                                         <p:cTn id="57" dur="500"/>
-                                        <p:tgtEl>
-                                          <p:spTgt spid="4">
-                                            <p:txEl>
-                                              <p:pRg st="10" end="10"/>
-                                            </p:txEl>
-                                          </p:spTgt>
-                                        </p:tgtEl>
-                                      </p:cBhvr>
-                                    </p:animEffect>
-                                  </p:childTnLst>
-                                </p:cTn>
-                              </p:par>
-                            </p:childTnLst>
-                          </p:cTn>
-                        </p:par>
-                      </p:childTnLst>
-                    </p:cTn>
-                  </p:par>
-                  <p:par>
-                    <p:cTn id="58" fill="hold">
-                      <p:stCondLst>
-                        <p:cond delay="indefinite"/>
-                      </p:stCondLst>
-                      <p:childTnLst>
-                        <p:par>
-                          <p:cTn id="59" fill="hold">
-                            <p:stCondLst>
-                              <p:cond delay="0"/>
-                            </p:stCondLst>
-                            <p:childTnLst>
-                              <p:par>
-                                <p:cTn id="60" presetID="3" presetClass="entr" presetSubtype="10" fill="hold" nodeType="clickEffect">
-                                  <p:stCondLst>
-                                    <p:cond delay="0"/>
-                                  </p:stCondLst>
-                                  <p:childTnLst>
-                                    <p:set>
-                                      <p:cBhvr>
-                                        <p:cTn id="61" dur="1" fill="hold">
-                                          <p:stCondLst>
-                                            <p:cond delay="0"/>
-                                          </p:stCondLst>
-                                        </p:cTn>
-                                        <p:tgtEl>
-                                          <p:spTgt spid="4">
-                                            <p:txEl>
-                                              <p:pRg st="11" end="11"/>
-                                            </p:txEl>
-                                          </p:spTgt>
-                                        </p:tgtEl>
-                                        <p:attrNameLst>
-                                          <p:attrName>style.visibility</p:attrName>
-                                        </p:attrNameLst>
-                                      </p:cBhvr>
-                                      <p:to>
-                                        <p:strVal val="visible"/>
-                                      </p:to>
-                                    </p:set>
-                                    <p:animEffect transition="in" filter="blinds(horizontal)">
-                                      <p:cBhvr>
-                                        <p:cTn id="62" dur="500"/>
                                         <p:tgtEl>
                                           <p:spTgt spid="4">
                                             <p:txEl>
@@ -15315,9 +15263,12 @@
 </file>
 
 <file path=customXml/item1.xml><?xml version="1.0" encoding="utf-8"?>
-<p:properties xmlns:p="http://schemas.microsoft.com/office/2006/metadata/properties" xmlns:xsi="http://www.w3.org/2001/XMLSchema-instance" xmlns:pc="http://schemas.microsoft.com/office/infopath/2007/PartnerControls">
-  <documentManagement/>
-</p:properties>
+<?mso-contentType ?>
+<FormTemplates xmlns="http://schemas.microsoft.com/sharepoint/v3/contenttype/forms">
+  <Display>DocumentLibraryForm</Display>
+  <Edit>DocumentLibraryForm</Edit>
+  <New>DocumentLibraryForm</New>
+</FormTemplates>
 </file>
 
 <file path=customXml/item2.xml><?xml version="1.0" encoding="utf-8"?>
@@ -15461,19 +15412,15 @@
 </file>
 
 <file path=customXml/item3.xml><?xml version="1.0" encoding="utf-8"?>
-<?mso-contentType ?>
-<FormTemplates xmlns="http://schemas.microsoft.com/sharepoint/v3/contenttype/forms">
-  <Display>DocumentLibraryForm</Display>
-  <Edit>DocumentLibraryForm</Edit>
-  <New>DocumentLibraryForm</New>
-</FormTemplates>
+<p:properties xmlns:p="http://schemas.microsoft.com/office/2006/metadata/properties" xmlns:xsi="http://www.w3.org/2001/XMLSchema-instance" xmlns:pc="http://schemas.microsoft.com/office/infopath/2007/PartnerControls">
+  <documentManagement/>
+</p:properties>
 </file>
 
 <file path=customXml/itemProps1.xml><?xml version="1.0" encoding="utf-8"?>
-<ds:datastoreItem xmlns:ds="http://schemas.openxmlformats.org/officeDocument/2006/customXml" ds:itemID="{1DA5CB71-27A8-4F27-B3EF-0B7C3FFAE0B8}">
+<ds:datastoreItem xmlns:ds="http://schemas.openxmlformats.org/officeDocument/2006/customXml" ds:itemID="{F7CCFA03-50CA-476E-8B8B-49D774F043AB}">
   <ds:schemaRefs>
-    <ds:schemaRef ds:uri="http://schemas.microsoft.com/office/2006/metadata/properties"/>
-    <ds:schemaRef ds:uri="http://schemas.microsoft.com/office/infopath/2007/PartnerControls"/>
+    <ds:schemaRef ds:uri="http://schemas.microsoft.com/sharepoint/v3/contenttype/forms"/>
   </ds:schemaRefs>
 </ds:datastoreItem>
 </file>
@@ -15497,9 +15444,10 @@
 </file>
 
 <file path=customXml/itemProps3.xml><?xml version="1.0" encoding="utf-8"?>
-<ds:datastoreItem xmlns:ds="http://schemas.openxmlformats.org/officeDocument/2006/customXml" ds:itemID="{F7CCFA03-50CA-476E-8B8B-49D774F043AB}">
+<ds:datastoreItem xmlns:ds="http://schemas.openxmlformats.org/officeDocument/2006/customXml" ds:itemID="{1DA5CB71-27A8-4F27-B3EF-0B7C3FFAE0B8}">
   <ds:schemaRefs>
-    <ds:schemaRef ds:uri="http://schemas.microsoft.com/sharepoint/v3/contenttype/forms"/>
+    <ds:schemaRef ds:uri="http://schemas.microsoft.com/office/2006/metadata/properties"/>
+    <ds:schemaRef ds:uri="http://schemas.microsoft.com/office/infopath/2007/PartnerControls"/>
   </ds:schemaRefs>
 </ds:datastoreItem>
 </file>
--- a/Prokarma/Magnetic Work Environment.pptx
+++ b/Prokarma/Magnetic Work Environment.pptx
@@ -11,25 +11,12 @@
     <p:sldId id="274" r:id="rId8"/>
     <p:sldId id="328" r:id="rId9"/>
     <p:sldId id="329" r:id="rId10"/>
-    <p:sldId id="330" r:id="rId11"/>
-    <p:sldId id="331" r:id="rId12"/>
-    <p:sldId id="326" r:id="rId13"/>
-    <p:sldId id="327" r:id="rId14"/>
-    <p:sldId id="322" r:id="rId15"/>
-    <p:sldId id="324" r:id="rId16"/>
-    <p:sldId id="289" r:id="rId17"/>
-    <p:sldId id="290" r:id="rId18"/>
-    <p:sldId id="309" r:id="rId19"/>
-    <p:sldId id="310" r:id="rId20"/>
-    <p:sldId id="311" r:id="rId21"/>
-    <p:sldId id="312" r:id="rId22"/>
-    <p:sldId id="313" r:id="rId23"/>
-    <p:sldId id="314" r:id="rId24"/>
-    <p:sldId id="315" r:id="rId25"/>
-    <p:sldId id="316" r:id="rId26"/>
-    <p:sldId id="317" r:id="rId27"/>
-    <p:sldId id="318" r:id="rId28"/>
-    <p:sldId id="319" r:id="rId29"/>
+    <p:sldId id="335" r:id="rId11"/>
+    <p:sldId id="330" r:id="rId12"/>
+    <p:sldId id="331" r:id="rId13"/>
+    <p:sldId id="326" r:id="rId14"/>
+    <p:sldId id="327" r:id="rId15"/>
+    <p:sldId id="337" r:id="rId16"/>
   </p:sldIdLst>
   <p:sldSz cx="9144000" cy="6858000" type="screen4x3"/>
   <p:notesSz cx="6858000" cy="9144000"/>
@@ -7738,44 +7725,138 @@
           <a:p>
             <a:r>
               <a:rPr lang="en-US" sz="2000" b="1" dirty="0" smtClean="0"/>
-              <a:t>Current State</a:t>
+              <a:t>C</a:t>
+            </a:r>
+            <a:r>
+              <a:rPr lang="en-US" sz="2000" b="1" dirty="0" smtClean="0"/>
+              <a:t>reate scope for intelligent failures</a:t>
             </a:r>
             <a:endParaRPr lang="en-US" sz="2000" b="1" dirty="0"/>
           </a:p>
         </p:txBody>
       </p:sp>
-      <p:pic>
-        <p:nvPicPr>
-          <p:cNvPr id="1027" name="Picture 3"/>
-          <p:cNvPicPr>
-            <a:picLocks noChangeAspect="1" noChangeArrowheads="1"/>
-          </p:cNvPicPr>
-          <p:nvPr/>
-        </p:nvPicPr>
-        <p:blipFill>
-          <a:blip r:embed="rId2" cstate="print"/>
-          <a:srcRect/>
-          <a:stretch>
-            <a:fillRect/>
-          </a:stretch>
-        </p:blipFill>
-        <p:spPr bwMode="auto">
+      <p:sp>
+        <p:nvSpPr>
+          <p:cNvPr id="4" name="Rectangle 3"/>
+          <p:cNvSpPr>
+            <a:spLocks noGrp="1" noChangeArrowheads="1"/>
+          </p:cNvSpPr>
+          <p:nvPr>
+            <p:ph sz="quarter" idx="1"/>
+          </p:nvPr>
+        </p:nvSpPr>
+        <p:spPr>
           <a:xfrm>
-            <a:off x="152400" y="2743200"/>
-            <a:ext cx="8839200" cy="2286000"/>
+            <a:off x="612648" y="1905000"/>
+            <a:ext cx="7693152" cy="4495800"/>
           </a:xfrm>
-          <a:prstGeom prst="rect">
-            <a:avLst/>
-          </a:prstGeom>
-          <a:noFill/>
-          <a:ln w="9525">
-            <a:noFill/>
-            <a:miter lim="800000"/>
-            <a:headEnd/>
-            <a:tailEnd/>
-          </a:ln>
         </p:spPr>
-      </p:pic>
+        <p:txBody>
+          <a:bodyPr>
+            <a:noAutofit/>
+          </a:bodyPr>
+          <a:lstStyle/>
+          <a:p>
+            <a:pPr>
+              <a:buFont typeface="Wingdings" pitchFamily="2" charset="2"/>
+              <a:buChar char="ü"/>
+            </a:pPr>
+            <a:r>
+              <a:rPr lang="en-US" sz="1800" b="1" u="sng" dirty="0" smtClean="0"/>
+              <a:t>Research</a:t>
+            </a:r>
+            <a:r>
+              <a:rPr lang="en-US" sz="1800" dirty="0" smtClean="0"/>
+              <a:t> : Humans </a:t>
+            </a:r>
+            <a:r>
+              <a:rPr lang="en-US" sz="1800" dirty="0" smtClean="0"/>
+              <a:t>succeed after couple of intelligent failures</a:t>
+            </a:r>
+            <a:endParaRPr lang="en-US" sz="1800" dirty="0" smtClean="0"/>
+          </a:p>
+          <a:p>
+            <a:pPr lvl="1">
+              <a:buFont typeface="Wingdings" pitchFamily="2" charset="2"/>
+              <a:buChar char="ü"/>
+            </a:pPr>
+            <a:r>
+              <a:rPr lang="en-US" sz="1800" dirty="0" smtClean="0"/>
+              <a:t>History behind netcontrol</a:t>
+            </a:r>
+            <a:endParaRPr lang="en-US" sz="1800" dirty="0" smtClean="0"/>
+          </a:p>
+          <a:p>
+            <a:pPr lvl="1">
+              <a:buFont typeface="Wingdings" pitchFamily="2" charset="2"/>
+              <a:buChar char="ü"/>
+            </a:pPr>
+            <a:r>
+              <a:rPr lang="en-US" sz="1800" dirty="0" smtClean="0"/>
+              <a:t>Google projects ?</a:t>
+            </a:r>
+          </a:p>
+          <a:p>
+            <a:pPr lvl="1">
+              <a:buFont typeface="Wingdings" pitchFamily="2" charset="2"/>
+              <a:buChar char="ü"/>
+            </a:pPr>
+            <a:r>
+              <a:rPr lang="en-US" sz="1800" dirty="0" smtClean="0"/>
+              <a:t>Cure for HIV</a:t>
+            </a:r>
+          </a:p>
+          <a:p>
+            <a:pPr lvl="1">
+              <a:buFont typeface="Wingdings" pitchFamily="2" charset="2"/>
+              <a:buChar char="ü"/>
+            </a:pPr>
+            <a:r>
+              <a:rPr lang="en-US" sz="1800" dirty="0" smtClean="0"/>
+              <a:t>Get ready for more failures as we are growing </a:t>
+            </a:r>
+          </a:p>
+          <a:p>
+            <a:pPr lvl="1">
+              <a:buFont typeface="Wingdings" pitchFamily="2" charset="2"/>
+              <a:buChar char="ü"/>
+            </a:pPr>
+            <a:endParaRPr lang="en-US" sz="1800" dirty="0" smtClean="0"/>
+          </a:p>
+          <a:p>
+            <a:pPr>
+              <a:buFont typeface="Wingdings" pitchFamily="2" charset="2"/>
+              <a:buChar char="ü"/>
+            </a:pPr>
+            <a:r>
+              <a:rPr lang="en-US" sz="2000" b="1" u="sng" dirty="0" smtClean="0"/>
+              <a:t>Action Items </a:t>
+            </a:r>
+            <a:r>
+              <a:rPr lang="en-US" sz="2000" dirty="0" smtClean="0"/>
+              <a:t>:</a:t>
+            </a:r>
+          </a:p>
+          <a:p>
+            <a:pPr lvl="1">
+              <a:buFont typeface="Wingdings" pitchFamily="2" charset="2"/>
+              <a:buChar char="ü"/>
+            </a:pPr>
+            <a:r>
+              <a:rPr lang="en-US" sz="1800" dirty="0" smtClean="0"/>
+              <a:t>Understand intelligent failures and be careful while doing performance reviews</a:t>
+            </a:r>
+            <a:endParaRPr lang="en-US" sz="1800" dirty="0" smtClean="0"/>
+          </a:p>
+          <a:p>
+            <a:pPr lvl="1">
+              <a:buFont typeface="Wingdings" pitchFamily="2" charset="2"/>
+              <a:buChar char="ü"/>
+            </a:pPr>
+            <a:endParaRPr lang="en-US" sz="1800" dirty="0"/>
+          </a:p>
+        </p:txBody>
+      </p:sp>
     </p:spTree>
   </p:cSld>
   <p:clrMapOvr>
@@ -7787,7 +7868,457 @@
   <p:timing>
     <p:tnLst>
       <p:par>
-        <p:cTn id="1" dur="indefinite" restart="never" nodeType="tmRoot"/>
+        <p:cTn id="1" dur="indefinite" restart="never" nodeType="tmRoot">
+          <p:childTnLst>
+            <p:seq concurrent="1" nextAc="seek">
+              <p:cTn id="2" dur="indefinite" nodeType="mainSeq">
+                <p:childTnLst>
+                  <p:par>
+                    <p:cTn id="3" fill="hold">
+                      <p:stCondLst>
+                        <p:cond delay="indefinite"/>
+                      </p:stCondLst>
+                      <p:childTnLst>
+                        <p:par>
+                          <p:cTn id="4" fill="hold">
+                            <p:stCondLst>
+                              <p:cond delay="0"/>
+                            </p:stCondLst>
+                            <p:childTnLst>
+                              <p:par>
+                                <p:cTn id="5" presetID="3" presetClass="entr" presetSubtype="10" fill="hold" nodeType="clickEffect">
+                                  <p:stCondLst>
+                                    <p:cond delay="0"/>
+                                  </p:stCondLst>
+                                  <p:childTnLst>
+                                    <p:set>
+                                      <p:cBhvr>
+                                        <p:cTn id="6" dur="1" fill="hold">
+                                          <p:stCondLst>
+                                            <p:cond delay="0"/>
+                                          </p:stCondLst>
+                                        </p:cTn>
+                                        <p:tgtEl>
+                                          <p:spTgt spid="4">
+                                            <p:txEl>
+                                              <p:pRg st="0" end="0"/>
+                                            </p:txEl>
+                                          </p:spTgt>
+                                        </p:tgtEl>
+                                        <p:attrNameLst>
+                                          <p:attrName>style.visibility</p:attrName>
+                                        </p:attrNameLst>
+                                      </p:cBhvr>
+                                      <p:to>
+                                        <p:strVal val="visible"/>
+                                      </p:to>
+                                    </p:set>
+                                    <p:animEffect transition="in" filter="blinds(horizontal)">
+                                      <p:cBhvr>
+                                        <p:cTn id="7" dur="500"/>
+                                        <p:tgtEl>
+                                          <p:spTgt spid="4">
+                                            <p:txEl>
+                                              <p:pRg st="0" end="0"/>
+                                            </p:txEl>
+                                          </p:spTgt>
+                                        </p:tgtEl>
+                                      </p:cBhvr>
+                                    </p:animEffect>
+                                  </p:childTnLst>
+                                </p:cTn>
+                              </p:par>
+                            </p:childTnLst>
+                          </p:cTn>
+                        </p:par>
+                      </p:childTnLst>
+                    </p:cTn>
+                  </p:par>
+                  <p:par>
+                    <p:cTn id="8" fill="hold">
+                      <p:stCondLst>
+                        <p:cond delay="indefinite"/>
+                      </p:stCondLst>
+                      <p:childTnLst>
+                        <p:par>
+                          <p:cTn id="9" fill="hold">
+                            <p:stCondLst>
+                              <p:cond delay="0"/>
+                            </p:stCondLst>
+                            <p:childTnLst>
+                              <p:par>
+                                <p:cTn id="10" presetID="3" presetClass="entr" presetSubtype="10" fill="hold" nodeType="clickEffect">
+                                  <p:stCondLst>
+                                    <p:cond delay="0"/>
+                                  </p:stCondLst>
+                                  <p:childTnLst>
+                                    <p:set>
+                                      <p:cBhvr>
+                                        <p:cTn id="11" dur="1" fill="hold">
+                                          <p:stCondLst>
+                                            <p:cond delay="0"/>
+                                          </p:stCondLst>
+                                        </p:cTn>
+                                        <p:tgtEl>
+                                          <p:spTgt spid="4">
+                                            <p:txEl>
+                                              <p:pRg st="1" end="1"/>
+                                            </p:txEl>
+                                          </p:spTgt>
+                                        </p:tgtEl>
+                                        <p:attrNameLst>
+                                          <p:attrName>style.visibility</p:attrName>
+                                        </p:attrNameLst>
+                                      </p:cBhvr>
+                                      <p:to>
+                                        <p:strVal val="visible"/>
+                                      </p:to>
+                                    </p:set>
+                                    <p:animEffect transition="in" filter="blinds(horizontal)">
+                                      <p:cBhvr>
+                                        <p:cTn id="12" dur="500"/>
+                                        <p:tgtEl>
+                                          <p:spTgt spid="4">
+                                            <p:txEl>
+                                              <p:pRg st="1" end="1"/>
+                                            </p:txEl>
+                                          </p:spTgt>
+                                        </p:tgtEl>
+                                      </p:cBhvr>
+                                    </p:animEffect>
+                                  </p:childTnLst>
+                                </p:cTn>
+                              </p:par>
+                            </p:childTnLst>
+                          </p:cTn>
+                        </p:par>
+                      </p:childTnLst>
+                    </p:cTn>
+                  </p:par>
+                  <p:par>
+                    <p:cTn id="13" fill="hold">
+                      <p:stCondLst>
+                        <p:cond delay="indefinite"/>
+                      </p:stCondLst>
+                      <p:childTnLst>
+                        <p:par>
+                          <p:cTn id="14" fill="hold">
+                            <p:stCondLst>
+                              <p:cond delay="0"/>
+                            </p:stCondLst>
+                            <p:childTnLst>
+                              <p:par>
+                                <p:cTn id="15" presetID="3" presetClass="entr" presetSubtype="10" fill="hold" nodeType="clickEffect">
+                                  <p:stCondLst>
+                                    <p:cond delay="0"/>
+                                  </p:stCondLst>
+                                  <p:childTnLst>
+                                    <p:set>
+                                      <p:cBhvr>
+                                        <p:cTn id="16" dur="1" fill="hold">
+                                          <p:stCondLst>
+                                            <p:cond delay="0"/>
+                                          </p:stCondLst>
+                                        </p:cTn>
+                                        <p:tgtEl>
+                                          <p:spTgt spid="4">
+                                            <p:txEl>
+                                              <p:pRg st="2" end="2"/>
+                                            </p:txEl>
+                                          </p:spTgt>
+                                        </p:tgtEl>
+                                        <p:attrNameLst>
+                                          <p:attrName>style.visibility</p:attrName>
+                                        </p:attrNameLst>
+                                      </p:cBhvr>
+                                      <p:to>
+                                        <p:strVal val="visible"/>
+                                      </p:to>
+                                    </p:set>
+                                    <p:animEffect transition="in" filter="blinds(horizontal)">
+                                      <p:cBhvr>
+                                        <p:cTn id="17" dur="500"/>
+                                        <p:tgtEl>
+                                          <p:spTgt spid="4">
+                                            <p:txEl>
+                                              <p:pRg st="2" end="2"/>
+                                            </p:txEl>
+                                          </p:spTgt>
+                                        </p:tgtEl>
+                                      </p:cBhvr>
+                                    </p:animEffect>
+                                  </p:childTnLst>
+                                </p:cTn>
+                              </p:par>
+                            </p:childTnLst>
+                          </p:cTn>
+                        </p:par>
+                      </p:childTnLst>
+                    </p:cTn>
+                  </p:par>
+                  <p:par>
+                    <p:cTn id="18" fill="hold">
+                      <p:stCondLst>
+                        <p:cond delay="indefinite"/>
+                      </p:stCondLst>
+                      <p:childTnLst>
+                        <p:par>
+                          <p:cTn id="19" fill="hold">
+                            <p:stCondLst>
+                              <p:cond delay="0"/>
+                            </p:stCondLst>
+                            <p:childTnLst>
+                              <p:par>
+                                <p:cTn id="20" presetID="3" presetClass="entr" presetSubtype="10" fill="hold" nodeType="clickEffect">
+                                  <p:stCondLst>
+                                    <p:cond delay="0"/>
+                                  </p:stCondLst>
+                                  <p:childTnLst>
+                                    <p:set>
+                                      <p:cBhvr>
+                                        <p:cTn id="21" dur="1" fill="hold">
+                                          <p:stCondLst>
+                                            <p:cond delay="0"/>
+                                          </p:stCondLst>
+                                        </p:cTn>
+                                        <p:tgtEl>
+                                          <p:spTgt spid="4">
+                                            <p:txEl>
+                                              <p:pRg st="3" end="3"/>
+                                            </p:txEl>
+                                          </p:spTgt>
+                                        </p:tgtEl>
+                                        <p:attrNameLst>
+                                          <p:attrName>style.visibility</p:attrName>
+                                        </p:attrNameLst>
+                                      </p:cBhvr>
+                                      <p:to>
+                                        <p:strVal val="visible"/>
+                                      </p:to>
+                                    </p:set>
+                                    <p:animEffect transition="in" filter="blinds(horizontal)">
+                                      <p:cBhvr>
+                                        <p:cTn id="22" dur="500"/>
+                                        <p:tgtEl>
+                                          <p:spTgt spid="4">
+                                            <p:txEl>
+                                              <p:pRg st="3" end="3"/>
+                                            </p:txEl>
+                                          </p:spTgt>
+                                        </p:tgtEl>
+                                      </p:cBhvr>
+                                    </p:animEffect>
+                                  </p:childTnLst>
+                                </p:cTn>
+                              </p:par>
+                            </p:childTnLst>
+                          </p:cTn>
+                        </p:par>
+                      </p:childTnLst>
+                    </p:cTn>
+                  </p:par>
+                  <p:par>
+                    <p:cTn id="23" fill="hold">
+                      <p:stCondLst>
+                        <p:cond delay="indefinite"/>
+                      </p:stCondLst>
+                      <p:childTnLst>
+                        <p:par>
+                          <p:cTn id="24" fill="hold">
+                            <p:stCondLst>
+                              <p:cond delay="0"/>
+                            </p:stCondLst>
+                            <p:childTnLst>
+                              <p:par>
+                                <p:cTn id="25" presetID="3" presetClass="entr" presetSubtype="10" fill="hold" nodeType="clickEffect">
+                                  <p:stCondLst>
+                                    <p:cond delay="0"/>
+                                  </p:stCondLst>
+                                  <p:childTnLst>
+                                    <p:set>
+                                      <p:cBhvr>
+                                        <p:cTn id="26" dur="1" fill="hold">
+                                          <p:stCondLst>
+                                            <p:cond delay="0"/>
+                                          </p:stCondLst>
+                                        </p:cTn>
+                                        <p:tgtEl>
+                                          <p:spTgt spid="4">
+                                            <p:txEl>
+                                              <p:pRg st="4" end="4"/>
+                                            </p:txEl>
+                                          </p:spTgt>
+                                        </p:tgtEl>
+                                        <p:attrNameLst>
+                                          <p:attrName>style.visibility</p:attrName>
+                                        </p:attrNameLst>
+                                      </p:cBhvr>
+                                      <p:to>
+                                        <p:strVal val="visible"/>
+                                      </p:to>
+                                    </p:set>
+                                    <p:animEffect transition="in" filter="blinds(horizontal)">
+                                      <p:cBhvr>
+                                        <p:cTn id="27" dur="500"/>
+                                        <p:tgtEl>
+                                          <p:spTgt spid="4">
+                                            <p:txEl>
+                                              <p:pRg st="4" end="4"/>
+                                            </p:txEl>
+                                          </p:spTgt>
+                                        </p:tgtEl>
+                                      </p:cBhvr>
+                                    </p:animEffect>
+                                  </p:childTnLst>
+                                </p:cTn>
+                              </p:par>
+                            </p:childTnLst>
+                          </p:cTn>
+                        </p:par>
+                      </p:childTnLst>
+                    </p:cTn>
+                  </p:par>
+                  <p:par>
+                    <p:cTn id="28" fill="hold">
+                      <p:stCondLst>
+                        <p:cond delay="indefinite"/>
+                      </p:stCondLst>
+                      <p:childTnLst>
+                        <p:par>
+                          <p:cTn id="29" fill="hold">
+                            <p:stCondLst>
+                              <p:cond delay="0"/>
+                            </p:stCondLst>
+                            <p:childTnLst>
+                              <p:par>
+                                <p:cTn id="30" presetID="3" presetClass="entr" presetSubtype="10" fill="hold" nodeType="clickEffect">
+                                  <p:stCondLst>
+                                    <p:cond delay="0"/>
+                                  </p:stCondLst>
+                                  <p:childTnLst>
+                                    <p:set>
+                                      <p:cBhvr>
+                                        <p:cTn id="31" dur="1" fill="hold">
+                                          <p:stCondLst>
+                                            <p:cond delay="0"/>
+                                          </p:stCondLst>
+                                        </p:cTn>
+                                        <p:tgtEl>
+                                          <p:spTgt spid="4">
+                                            <p:txEl>
+                                              <p:pRg st="6" end="6"/>
+                                            </p:txEl>
+                                          </p:spTgt>
+                                        </p:tgtEl>
+                                        <p:attrNameLst>
+                                          <p:attrName>style.visibility</p:attrName>
+                                        </p:attrNameLst>
+                                      </p:cBhvr>
+                                      <p:to>
+                                        <p:strVal val="visible"/>
+                                      </p:to>
+                                    </p:set>
+                                    <p:animEffect transition="in" filter="blinds(horizontal)">
+                                      <p:cBhvr>
+                                        <p:cTn id="32" dur="500"/>
+                                        <p:tgtEl>
+                                          <p:spTgt spid="4">
+                                            <p:txEl>
+                                              <p:pRg st="6" end="6"/>
+                                            </p:txEl>
+                                          </p:spTgt>
+                                        </p:tgtEl>
+                                      </p:cBhvr>
+                                    </p:animEffect>
+                                  </p:childTnLst>
+                                </p:cTn>
+                              </p:par>
+                            </p:childTnLst>
+                          </p:cTn>
+                        </p:par>
+                      </p:childTnLst>
+                    </p:cTn>
+                  </p:par>
+                  <p:par>
+                    <p:cTn id="33" fill="hold">
+                      <p:stCondLst>
+                        <p:cond delay="indefinite"/>
+                      </p:stCondLst>
+                      <p:childTnLst>
+                        <p:par>
+                          <p:cTn id="34" fill="hold">
+                            <p:stCondLst>
+                              <p:cond delay="0"/>
+                            </p:stCondLst>
+                            <p:childTnLst>
+                              <p:par>
+                                <p:cTn id="35" presetID="3" presetClass="entr" presetSubtype="10" fill="hold" nodeType="clickEffect">
+                                  <p:stCondLst>
+                                    <p:cond delay="0"/>
+                                  </p:stCondLst>
+                                  <p:childTnLst>
+                                    <p:set>
+                                      <p:cBhvr>
+                                        <p:cTn id="36" dur="1" fill="hold">
+                                          <p:stCondLst>
+                                            <p:cond delay="0"/>
+                                          </p:stCondLst>
+                                        </p:cTn>
+                                        <p:tgtEl>
+                                          <p:spTgt spid="4">
+                                            <p:txEl>
+                                              <p:pRg st="7" end="7"/>
+                                            </p:txEl>
+                                          </p:spTgt>
+                                        </p:tgtEl>
+                                        <p:attrNameLst>
+                                          <p:attrName>style.visibility</p:attrName>
+                                        </p:attrNameLst>
+                                      </p:cBhvr>
+                                      <p:to>
+                                        <p:strVal val="visible"/>
+                                      </p:to>
+                                    </p:set>
+                                    <p:animEffect transition="in" filter="blinds(horizontal)">
+                                      <p:cBhvr>
+                                        <p:cTn id="37" dur="500"/>
+                                        <p:tgtEl>
+                                          <p:spTgt spid="4">
+                                            <p:txEl>
+                                              <p:pRg st="7" end="7"/>
+                                            </p:txEl>
+                                          </p:spTgt>
+                                        </p:tgtEl>
+                                      </p:cBhvr>
+                                    </p:animEffect>
+                                  </p:childTnLst>
+                                </p:cTn>
+                              </p:par>
+                            </p:childTnLst>
+                          </p:cTn>
+                        </p:par>
+                      </p:childTnLst>
+                    </p:cTn>
+                  </p:par>
+                </p:childTnLst>
+              </p:cTn>
+              <p:prevCondLst>
+                <p:cond evt="onPrev" delay="0">
+                  <p:tgtEl>
+                    <p:sldTgt/>
+                  </p:tgtEl>
+                </p:cond>
+              </p:prevCondLst>
+              <p:nextCondLst>
+                <p:cond evt="onNext" delay="0">
+                  <p:tgtEl>
+                    <p:sldTgt/>
+                  </p:tgtEl>
+                </p:cond>
+              </p:nextCondLst>
+            </p:seq>
+          </p:childTnLst>
+        </p:cTn>
       </p:par>
     </p:tnLst>
   </p:timing>
@@ -7813,9 +8344,9 @@
       </p:grpSpPr>
       <p:sp>
         <p:nvSpPr>
-          <p:cNvPr id="2" name="Title 1"/>
-          <p:cNvSpPr>
-            <a:spLocks noGrp="1"/>
+          <p:cNvPr id="25602" name="Rectangle 2"/>
+          <p:cNvSpPr>
+            <a:spLocks noGrp="1" noChangeArrowheads="1"/>
           </p:cNvSpPr>
           <p:nvPr>
             <p:ph type="title"/>
@@ -7829,45 +8360,84 @@
           <a:lstStyle/>
           <a:p>
             <a:r>
-              <a:rPr lang="en-IN" sz="1800" b="1" dirty="0" smtClean="0"/>
-              <a:t>How can we fix above problems (https://wiki.prokarma.com/display/UPD/Temp)</a:t>
-            </a:r>
-            <a:endParaRPr lang="en-IN" sz="1800" b="1" dirty="0"/>
-          </a:p>
-        </p:txBody>
-      </p:sp>
-      <p:pic>
-        <p:nvPicPr>
-          <p:cNvPr id="1026" name="Picture 2"/>
-          <p:cNvPicPr>
-            <a:picLocks noChangeAspect="1" noChangeArrowheads="1"/>
-          </p:cNvPicPr>
-          <p:nvPr/>
-        </p:nvPicPr>
-        <p:blipFill>
-          <a:blip r:embed="rId2" cstate="print"/>
-          <a:srcRect/>
-          <a:stretch>
-            <a:fillRect/>
-          </a:stretch>
-        </p:blipFill>
-        <p:spPr bwMode="auto">
+              <a:rPr lang="en-US" sz="2000" b="1" dirty="0" smtClean="0"/>
+              <a:t>Conclusion </a:t>
+            </a:r>
+            <a:endParaRPr lang="en-US" sz="2000" b="1" dirty="0"/>
+          </a:p>
+        </p:txBody>
+      </p:sp>
+      <p:sp>
+        <p:nvSpPr>
+          <p:cNvPr id="4" name="Rectangle 3"/>
+          <p:cNvSpPr>
+            <a:spLocks noGrp="1" noChangeArrowheads="1"/>
+          </p:cNvSpPr>
+          <p:nvPr>
+            <p:ph sz="quarter" idx="1"/>
+          </p:nvPr>
+        </p:nvSpPr>
+        <p:spPr>
           <a:xfrm>
-            <a:off x="0" y="1447800"/>
-            <a:ext cx="8924908" cy="5410200"/>
+            <a:off x="612648" y="1905000"/>
+            <a:ext cx="7693152" cy="4495800"/>
           </a:xfrm>
-          <a:prstGeom prst="rect">
-            <a:avLst/>
-          </a:prstGeom>
-          <a:noFill/>
-          <a:ln w="9525">
-            <a:noFill/>
-            <a:miter lim="800000"/>
-            <a:headEnd/>
-            <a:tailEnd/>
-          </a:ln>
         </p:spPr>
-      </p:pic>
+        <p:txBody>
+          <a:bodyPr>
+            <a:noAutofit/>
+          </a:bodyPr>
+          <a:lstStyle/>
+          <a:p>
+            <a:pPr>
+              <a:buFont typeface="Wingdings" pitchFamily="2" charset="2"/>
+              <a:buChar char="ü"/>
+            </a:pPr>
+            <a:r>
+              <a:rPr lang="en-US" sz="1800" dirty="0" smtClean="0"/>
+              <a:t>Fulfill psychological needs of an employee without which employees are likely to quit irrespective of their pay </a:t>
+            </a:r>
+          </a:p>
+          <a:p>
+            <a:pPr>
+              <a:buFont typeface="Wingdings" pitchFamily="2" charset="2"/>
+              <a:buChar char="ü"/>
+            </a:pPr>
+            <a:r>
+              <a:rPr lang="en-US" sz="1800" dirty="0" smtClean="0"/>
+              <a:t>Create happy work environment</a:t>
+            </a:r>
+          </a:p>
+          <a:p>
+            <a:pPr>
+              <a:buFont typeface="Wingdings" pitchFamily="2" charset="2"/>
+              <a:buChar char="ü"/>
+            </a:pPr>
+            <a:r>
+              <a:rPr lang="en-US" sz="1800" dirty="0" smtClean="0"/>
+              <a:t>Create scope for intelligent failure to enable employees take more challenges</a:t>
+            </a:r>
+          </a:p>
+          <a:p>
+            <a:pPr>
+              <a:buFont typeface="Wingdings" pitchFamily="2" charset="2"/>
+              <a:buChar char="ü"/>
+            </a:pPr>
+            <a:r>
+              <a:rPr lang="en-US" sz="1800" dirty="0" smtClean="0"/>
+              <a:t>Understand limits of body and mind</a:t>
+            </a:r>
+            <a:endParaRPr lang="en-US" sz="1800" dirty="0" smtClean="0"/>
+          </a:p>
+          <a:p>
+            <a:pPr lvl="1">
+              <a:buFont typeface="Wingdings" pitchFamily="2" charset="2"/>
+              <a:buChar char="ü"/>
+            </a:pPr>
+            <a:endParaRPr lang="en-US" sz="1800" dirty="0"/>
+          </a:p>
+        </p:txBody>
+      </p:sp>
     </p:spTree>
   </p:cSld>
   <p:clrMapOvr>
@@ -7879,1371 +8449,274 @@
   <p:timing>
     <p:tnLst>
       <p:par>
-        <p:cTn id="1" dur="indefinite" restart="never" nodeType="tmRoot"/>
-      </p:par>
-    </p:tnLst>
-  </p:timing>
-</p:sld>
-</file>
-
-<file path=ppt/slides/slide12.xml><?xml version="1.0" encoding="utf-8"?>
-<p:sld xmlns:a="http://schemas.openxmlformats.org/drawingml/2006/main" xmlns:r="http://schemas.openxmlformats.org/officeDocument/2006/relationships" xmlns:p="http://schemas.openxmlformats.org/presentationml/2006/main">
-  <p:cSld>
-    <p:spTree>
-      <p:nvGrpSpPr>
-        <p:cNvPr id="1" name=""/>
-        <p:cNvGrpSpPr/>
-        <p:nvPr/>
-      </p:nvGrpSpPr>
-      <p:grpSpPr>
-        <a:xfrm>
-          <a:off x="0" y="0"/>
-          <a:ext cx="0" cy="0"/>
-          <a:chOff x="0" y="0"/>
-          <a:chExt cx="0" cy="0"/>
-        </a:xfrm>
-      </p:grpSpPr>
-      <p:sp>
-        <p:nvSpPr>
-          <p:cNvPr id="25602" name="Rectangle 2"/>
-          <p:cNvSpPr>
-            <a:spLocks noGrp="1" noChangeArrowheads="1"/>
-          </p:cNvSpPr>
-          <p:nvPr>
-            <p:ph type="title"/>
-          </p:nvPr>
-        </p:nvSpPr>
-        <p:spPr/>
-        <p:txBody>
-          <a:bodyPr>
-            <a:normAutofit/>
-          </a:bodyPr>
-          <a:lstStyle/>
-          <a:p>
-            <a:r>
-              <a:rPr lang="en-US" sz="2000" b="1" dirty="0" smtClean="0"/>
-              <a:t>Mission</a:t>
-            </a:r>
-            <a:endParaRPr lang="en-US" sz="2000" b="1" dirty="0"/>
-          </a:p>
-        </p:txBody>
-      </p:sp>
-      <p:sp>
-        <p:nvSpPr>
-          <p:cNvPr id="25603" name="Rectangle 3"/>
-          <p:cNvSpPr>
-            <a:spLocks noGrp="1" noChangeArrowheads="1"/>
-          </p:cNvSpPr>
-          <p:nvPr>
-            <p:ph sz="quarter" idx="1"/>
-          </p:nvPr>
-        </p:nvSpPr>
-        <p:spPr>
-          <a:xfrm>
-            <a:off x="609600" y="1981200"/>
-            <a:ext cx="7848600" cy="2819400"/>
-          </a:xfrm>
-        </p:spPr>
-        <p:txBody>
-          <a:bodyPr>
-            <a:normAutofit/>
-          </a:bodyPr>
-          <a:lstStyle/>
-          <a:p>
-            <a:pPr>
-              <a:buFont typeface="Wingdings" pitchFamily="2" charset="2"/>
-              <a:buChar char="ü"/>
-            </a:pPr>
-            <a:r>
-              <a:rPr lang="en-US" sz="1600" dirty="0" smtClean="0"/>
-              <a:t>I believe we require four categories of employees that will make us more successful  - </a:t>
-            </a:r>
-            <a:r>
-              <a:rPr lang="en-US" sz="1600" b="1" dirty="0" smtClean="0"/>
-              <a:t>Great leaders , Great trainers , Great mentors , Technical &amp; Project management experts</a:t>
-            </a:r>
-          </a:p>
-          <a:p>
-            <a:pPr>
-              <a:buFont typeface="Wingdings" pitchFamily="2" charset="2"/>
-              <a:buChar char="ü"/>
-            </a:pPr>
-            <a:r>
-              <a:rPr lang="en-US" sz="1600" dirty="0" smtClean="0"/>
-              <a:t>Our mission statement should help our people in understanding what we are doing </a:t>
-            </a:r>
-          </a:p>
-          <a:p>
-            <a:pPr>
-              <a:buFont typeface="Wingdings" pitchFamily="2" charset="2"/>
-              <a:buChar char="ü"/>
-            </a:pPr>
-            <a:r>
-              <a:rPr lang="en-US" sz="1600" dirty="0" smtClean="0"/>
-              <a:t>I have few thoughts on creating a mission statement and this is what came to my mind – “ Empowering employees to make them good Leaders , Trainers , Mentors , Technical &amp; Project management experts leading to increased customer satisfaction and preparing teams for new challenges in line with business goals ”</a:t>
-            </a:r>
-          </a:p>
-          <a:p>
-            <a:pPr>
-              <a:buFont typeface="Wingdings" pitchFamily="2" charset="2"/>
-              <a:buChar char="ü"/>
-            </a:pPr>
-            <a:r>
-              <a:rPr lang="en-US" sz="1600" dirty="0" smtClean="0"/>
-              <a:t>Better thoughts ?</a:t>
-            </a:r>
-          </a:p>
-          <a:p>
-            <a:pPr lvl="1">
-              <a:buNone/>
-            </a:pPr>
-            <a:endParaRPr lang="en-US" sz="1500" dirty="0" smtClean="0"/>
-          </a:p>
-          <a:p>
-            <a:pPr lvl="1">
-              <a:buFont typeface="Wingdings" pitchFamily="2" charset="2"/>
-              <a:buChar char="ü"/>
-            </a:pPr>
-            <a:endParaRPr lang="en-US" sz="1500" dirty="0" smtClean="0"/>
-          </a:p>
-          <a:p>
-            <a:pPr lvl="1">
-              <a:buFont typeface="Wingdings" pitchFamily="2" charset="2"/>
-              <a:buChar char="ü"/>
-            </a:pPr>
-            <a:endParaRPr lang="en-US" sz="1500" dirty="0" smtClean="0"/>
-          </a:p>
-          <a:p>
-            <a:pPr>
-              <a:buFont typeface="Wingdings" pitchFamily="2" charset="2"/>
-              <a:buChar char="ü"/>
-            </a:pPr>
-            <a:endParaRPr lang="en-US" dirty="0"/>
-          </a:p>
-        </p:txBody>
-      </p:sp>
-    </p:spTree>
-  </p:cSld>
-  <p:clrMapOvr>
-    <a:masterClrMapping/>
-  </p:clrMapOvr>
-  <p:transition spd="slow">
-    <p:wedge/>
-  </p:transition>
-  <p:timing>
-    <p:tnLst>
-      <p:par>
-        <p:cTn id="1" dur="indefinite" restart="never" nodeType="tmRoot"/>
-      </p:par>
-    </p:tnLst>
-  </p:timing>
-</p:sld>
-</file>
-
-<file path=ppt/slides/slide13.xml><?xml version="1.0" encoding="utf-8"?>
-<p:sld xmlns:a="http://schemas.openxmlformats.org/drawingml/2006/main" xmlns:r="http://schemas.openxmlformats.org/officeDocument/2006/relationships" xmlns:p="http://schemas.openxmlformats.org/presentationml/2006/main">
-  <p:cSld>
-    <p:spTree>
-      <p:nvGrpSpPr>
-        <p:cNvPr id="1" name=""/>
-        <p:cNvGrpSpPr/>
-        <p:nvPr/>
-      </p:nvGrpSpPr>
-      <p:grpSpPr>
-        <a:xfrm>
-          <a:off x="0" y="0"/>
-          <a:ext cx="0" cy="0"/>
-          <a:chOff x="0" y="0"/>
-          <a:chExt cx="0" cy="0"/>
-        </a:xfrm>
-      </p:grpSpPr>
-      <p:sp>
-        <p:nvSpPr>
-          <p:cNvPr id="25602" name="Rectangle 2"/>
-          <p:cNvSpPr>
-            <a:spLocks noGrp="1" noChangeArrowheads="1"/>
-          </p:cNvSpPr>
-          <p:nvPr>
-            <p:ph type="title"/>
-          </p:nvPr>
-        </p:nvSpPr>
-        <p:spPr/>
-        <p:txBody>
-          <a:bodyPr>
-            <a:normAutofit/>
-          </a:bodyPr>
-          <a:lstStyle/>
-          <a:p>
-            <a:r>
-              <a:rPr lang="en-US" sz="2000" b="1" dirty="0" smtClean="0"/>
-              <a:t>Upcoming Trainings </a:t>
-            </a:r>
-            <a:endParaRPr lang="en-US" sz="2000" b="1" dirty="0"/>
-          </a:p>
-        </p:txBody>
-      </p:sp>
-      <p:sp>
-        <p:nvSpPr>
-          <p:cNvPr id="25603" name="Rectangle 3"/>
-          <p:cNvSpPr>
-            <a:spLocks noGrp="1" noChangeArrowheads="1"/>
-          </p:cNvSpPr>
-          <p:nvPr>
-            <p:ph sz="quarter" idx="1"/>
-          </p:nvPr>
-        </p:nvSpPr>
-        <p:spPr>
-          <a:xfrm>
-            <a:off x="612648" y="1828800"/>
-            <a:ext cx="7693152" cy="3886200"/>
-          </a:xfrm>
-        </p:spPr>
-        <p:txBody>
-          <a:bodyPr>
-            <a:normAutofit fontScale="92500" lnSpcReduction="10000"/>
-          </a:bodyPr>
-          <a:lstStyle/>
-          <a:p>
-            <a:pPr>
-              <a:buFont typeface="Wingdings" pitchFamily="2" charset="2"/>
-              <a:buChar char="ü"/>
-            </a:pPr>
-            <a:r>
-              <a:rPr lang="en-US" sz="1800" dirty="0" smtClean="0"/>
-              <a:t>Managers are not sharing information and employees should know about trainings that are coming up and this page will be helpful for them .</a:t>
-            </a:r>
-          </a:p>
-          <a:p>
-            <a:pPr>
-              <a:buFont typeface="Wingdings" pitchFamily="2" charset="2"/>
-              <a:buChar char="ü"/>
-            </a:pPr>
-            <a:r>
-              <a:rPr lang="en-US" sz="1800" dirty="0" smtClean="0"/>
-              <a:t>Opening note talking about importance of registering to attend training (Today many are not registering)</a:t>
-            </a:r>
-          </a:p>
-          <a:p>
-            <a:pPr>
-              <a:buFont typeface="Wingdings" pitchFamily="2" charset="2"/>
-              <a:buChar char="ü"/>
-            </a:pPr>
-            <a:r>
-              <a:rPr lang="en-US" sz="1800" dirty="0" smtClean="0"/>
-              <a:t>Should contain table data with all following columns – </a:t>
-            </a:r>
-          </a:p>
-          <a:p>
-            <a:pPr lvl="1">
-              <a:buFont typeface="Wingdings" pitchFamily="2" charset="2"/>
-              <a:buChar char="ü"/>
-            </a:pPr>
-            <a:r>
-              <a:rPr lang="en-US" sz="1500" dirty="0" smtClean="0"/>
-              <a:t>S.No</a:t>
-            </a:r>
-          </a:p>
-          <a:p>
-            <a:pPr lvl="1">
-              <a:buFont typeface="Wingdings" pitchFamily="2" charset="2"/>
-              <a:buChar char="ü"/>
-            </a:pPr>
-            <a:r>
-              <a:rPr lang="en-US" sz="1500" dirty="0" smtClean="0"/>
-              <a:t>Presentation Topic</a:t>
-            </a:r>
-          </a:p>
-          <a:p>
-            <a:pPr lvl="1">
-              <a:buFont typeface="Wingdings" pitchFamily="2" charset="2"/>
-              <a:buChar char="ü"/>
-            </a:pPr>
-            <a:r>
-              <a:rPr lang="en-US" sz="1500" dirty="0" smtClean="0"/>
-              <a:t>Presenter name</a:t>
-            </a:r>
-          </a:p>
-          <a:p>
-            <a:pPr lvl="1">
-              <a:buFont typeface="Wingdings" pitchFamily="2" charset="2"/>
-              <a:buChar char="ü"/>
-            </a:pPr>
-            <a:r>
-              <a:rPr lang="en-US" sz="1500" dirty="0" smtClean="0"/>
-              <a:t>Target Audience</a:t>
-            </a:r>
-          </a:p>
-          <a:p>
-            <a:pPr lvl="1">
-              <a:buFont typeface="Wingdings" pitchFamily="2" charset="2"/>
-              <a:buChar char="ü"/>
-            </a:pPr>
-            <a:r>
-              <a:rPr lang="en-US" sz="1500" dirty="0" smtClean="0"/>
-              <a:t>Timing Details </a:t>
-            </a:r>
-          </a:p>
-          <a:p>
-            <a:pPr lvl="1">
-              <a:buFont typeface="Wingdings" pitchFamily="2" charset="2"/>
-              <a:buChar char="ü"/>
-            </a:pPr>
-            <a:r>
-              <a:rPr lang="en-US" sz="1500" dirty="0" smtClean="0"/>
-              <a:t>Registration link (Pointing to </a:t>
-            </a:r>
-            <a:r>
-              <a:rPr lang="en-US" sz="1500" dirty="0" err="1" smtClean="0"/>
-              <a:t>PKonnect</a:t>
-            </a:r>
-            <a:r>
-              <a:rPr lang="en-US" sz="1500" dirty="0" smtClean="0"/>
-              <a:t> )</a:t>
-            </a:r>
-          </a:p>
-          <a:p>
-            <a:pPr lvl="1">
-              <a:buFont typeface="Wingdings" pitchFamily="2" charset="2"/>
-              <a:buChar char="ü"/>
-            </a:pPr>
-            <a:r>
-              <a:rPr lang="en-US" sz="1500" dirty="0" smtClean="0"/>
-              <a:t>Is manager approval required</a:t>
-            </a:r>
-          </a:p>
-          <a:p>
-            <a:pPr lvl="1">
-              <a:buFont typeface="Wingdings" pitchFamily="2" charset="2"/>
-              <a:buChar char="ü"/>
-            </a:pPr>
-            <a:r>
-              <a:rPr lang="en-US" sz="1500" dirty="0" smtClean="0"/>
-              <a:t>Number of registrations (Should get updated periodically)</a:t>
-            </a:r>
-          </a:p>
-          <a:p>
-            <a:pPr lvl="1">
-              <a:buFont typeface="Wingdings" pitchFamily="2" charset="2"/>
-              <a:buChar char="ü"/>
-            </a:pPr>
-            <a:r>
-              <a:rPr lang="en-US" sz="1500" dirty="0" smtClean="0"/>
-              <a:t>Status (Registration opened / Registration closed)</a:t>
-            </a:r>
-          </a:p>
-          <a:p>
-            <a:pPr>
-              <a:buNone/>
-            </a:pPr>
-            <a:endParaRPr lang="en-US" sz="1800" dirty="0" smtClean="0"/>
-          </a:p>
-        </p:txBody>
-      </p:sp>
-    </p:spTree>
-  </p:cSld>
-  <p:clrMapOvr>
-    <a:masterClrMapping/>
-  </p:clrMapOvr>
-  <p:transition spd="slow">
-    <p:wedge/>
-  </p:transition>
-  <p:timing>
-    <p:tnLst>
-      <p:par>
-        <p:cTn id="1" dur="indefinite" restart="never" nodeType="tmRoot"/>
-      </p:par>
-    </p:tnLst>
-  </p:timing>
-</p:sld>
-</file>
-
-<file path=ppt/slides/slide14.xml><?xml version="1.0" encoding="utf-8"?>
-<p:sld xmlns:a="http://schemas.openxmlformats.org/drawingml/2006/main" xmlns:r="http://schemas.openxmlformats.org/officeDocument/2006/relationships" xmlns:p="http://schemas.openxmlformats.org/presentationml/2006/main">
-  <p:cSld>
-    <p:spTree>
-      <p:nvGrpSpPr>
-        <p:cNvPr id="1" name=""/>
-        <p:cNvGrpSpPr/>
-        <p:nvPr/>
-      </p:nvGrpSpPr>
-      <p:grpSpPr>
-        <a:xfrm>
-          <a:off x="0" y="0"/>
-          <a:ext cx="0" cy="0"/>
-          <a:chOff x="0" y="0"/>
-          <a:chExt cx="0" cy="0"/>
-        </a:xfrm>
-      </p:grpSpPr>
-      <p:sp>
-        <p:nvSpPr>
-          <p:cNvPr id="25602" name="Rectangle 2"/>
-          <p:cNvSpPr>
-            <a:spLocks noGrp="1" noChangeArrowheads="1"/>
-          </p:cNvSpPr>
-          <p:nvPr>
-            <p:ph type="title"/>
-          </p:nvPr>
-        </p:nvSpPr>
-        <p:spPr/>
-        <p:txBody>
-          <a:bodyPr>
-            <a:normAutofit/>
-          </a:bodyPr>
-          <a:lstStyle/>
-          <a:p>
-            <a:r>
-              <a:rPr lang="en-US" sz="2000" b="1" dirty="0" smtClean="0"/>
-              <a:t>What after registration ?</a:t>
-            </a:r>
-            <a:endParaRPr lang="en-US" sz="2000" b="1" dirty="0"/>
-          </a:p>
-        </p:txBody>
-      </p:sp>
-      <p:sp>
-        <p:nvSpPr>
-          <p:cNvPr id="25603" name="Rectangle 3"/>
-          <p:cNvSpPr>
-            <a:spLocks noGrp="1" noChangeArrowheads="1"/>
-          </p:cNvSpPr>
-          <p:nvPr>
-            <p:ph sz="quarter" idx="1"/>
-          </p:nvPr>
-        </p:nvSpPr>
-        <p:spPr>
-          <a:xfrm>
-            <a:off x="612648" y="1828800"/>
-            <a:ext cx="7693152" cy="4572000"/>
-          </a:xfrm>
-        </p:spPr>
-        <p:txBody>
-          <a:bodyPr>
-            <a:normAutofit/>
-          </a:bodyPr>
-          <a:lstStyle/>
-          <a:p>
-            <a:pPr>
-              <a:buFont typeface="Wingdings" pitchFamily="2" charset="2"/>
-              <a:buChar char="ü"/>
-            </a:pPr>
-            <a:r>
-              <a:rPr lang="en-US" sz="1800" dirty="0" smtClean="0"/>
-              <a:t>Schedule a training and send out a meeting request so that it is there in their calendar and they don’t miss it out .</a:t>
-            </a:r>
-          </a:p>
-          <a:p>
-            <a:pPr>
-              <a:buFont typeface="Wingdings" pitchFamily="2" charset="2"/>
-              <a:buChar char="ü"/>
-            </a:pPr>
-            <a:r>
-              <a:rPr lang="en-US" sz="1800" dirty="0" smtClean="0"/>
-              <a:t>Attendance need to be taken for all employees who attended it .</a:t>
-            </a:r>
-          </a:p>
-          <a:p>
-            <a:pPr>
-              <a:buFont typeface="Wingdings" pitchFamily="2" charset="2"/>
-              <a:buChar char="ü"/>
-            </a:pPr>
-            <a:r>
-              <a:rPr lang="en-US" sz="1800" dirty="0" smtClean="0"/>
-              <a:t>Conduct a online survey for all the employees who attended training asking three simple questions</a:t>
-            </a:r>
-          </a:p>
-          <a:p>
-            <a:pPr lvl="1">
-              <a:buFont typeface="Wingdings" pitchFamily="2" charset="2"/>
-              <a:buChar char="ü"/>
-            </a:pPr>
-            <a:r>
-              <a:rPr lang="en-US" sz="1500" dirty="0" smtClean="0"/>
-              <a:t> Good points in presentation </a:t>
-            </a:r>
-          </a:p>
-          <a:p>
-            <a:pPr lvl="1">
-              <a:buFont typeface="Wingdings" pitchFamily="2" charset="2"/>
-              <a:buChar char="ü"/>
-            </a:pPr>
-            <a:r>
-              <a:rPr lang="en-US" sz="1500" dirty="0" smtClean="0"/>
-              <a:t>Areas of improvement</a:t>
-            </a:r>
-          </a:p>
-          <a:p>
-            <a:pPr lvl="1">
-              <a:buFont typeface="Wingdings" pitchFamily="2" charset="2"/>
-              <a:buChar char="ü"/>
-            </a:pPr>
-            <a:r>
-              <a:rPr lang="en-US" sz="1500" dirty="0" smtClean="0"/>
-              <a:t>Overall rating </a:t>
-            </a:r>
-          </a:p>
-          <a:p>
-            <a:pPr>
-              <a:buFont typeface="Wingdings" pitchFamily="2" charset="2"/>
-              <a:buChar char="ü"/>
-            </a:pPr>
-            <a:r>
-              <a:rPr lang="en-US" sz="1800" dirty="0" smtClean="0"/>
-              <a:t>It is mandatory for an employee to attend session completely and fill survey form to get it registered with learning department </a:t>
-            </a:r>
-          </a:p>
-          <a:p>
-            <a:pPr>
-              <a:buFont typeface="Wingdings" pitchFamily="2" charset="2"/>
-              <a:buChar char="ü"/>
-            </a:pPr>
-            <a:r>
-              <a:rPr lang="en-US" sz="1800" dirty="0" smtClean="0"/>
-              <a:t>Next step is to go to completed trainings and fill it out</a:t>
-            </a:r>
-          </a:p>
-          <a:p>
-            <a:pPr>
-              <a:buNone/>
-            </a:pPr>
-            <a:endParaRPr lang="en-US" sz="1800" dirty="0" smtClean="0"/>
-          </a:p>
-          <a:p>
-            <a:pPr>
-              <a:buNone/>
-            </a:pPr>
-            <a:endParaRPr lang="en-US" sz="1800" dirty="0" smtClean="0"/>
-          </a:p>
-        </p:txBody>
-      </p:sp>
-    </p:spTree>
-  </p:cSld>
-  <p:clrMapOvr>
-    <a:masterClrMapping/>
-  </p:clrMapOvr>
-  <p:transition spd="slow">
-    <p:wedge/>
-  </p:transition>
-  <p:timing>
-    <p:tnLst>
-      <p:par>
-        <p:cTn id="1" dur="indefinite" restart="never" nodeType="tmRoot"/>
-      </p:par>
-    </p:tnLst>
-  </p:timing>
-</p:sld>
-</file>
-
-<file path=ppt/slides/slide15.xml><?xml version="1.0" encoding="utf-8"?>
-<p:sld xmlns:a="http://schemas.openxmlformats.org/drawingml/2006/main" xmlns:r="http://schemas.openxmlformats.org/officeDocument/2006/relationships" xmlns:p="http://schemas.openxmlformats.org/presentationml/2006/main">
-  <p:cSld>
-    <p:spTree>
-      <p:nvGrpSpPr>
-        <p:cNvPr id="1" name=""/>
-        <p:cNvGrpSpPr/>
-        <p:nvPr/>
-      </p:nvGrpSpPr>
-      <p:grpSpPr>
-        <a:xfrm>
-          <a:off x="0" y="0"/>
-          <a:ext cx="0" cy="0"/>
-          <a:chOff x="0" y="0"/>
-          <a:chExt cx="0" cy="0"/>
-        </a:xfrm>
-      </p:grpSpPr>
-      <p:sp>
-        <p:nvSpPr>
-          <p:cNvPr id="25602" name="Rectangle 2"/>
-          <p:cNvSpPr>
-            <a:spLocks noGrp="1" noChangeArrowheads="1"/>
-          </p:cNvSpPr>
-          <p:nvPr>
-            <p:ph type="title"/>
-          </p:nvPr>
-        </p:nvSpPr>
-        <p:spPr/>
-        <p:txBody>
-          <a:bodyPr>
-            <a:normAutofit/>
-          </a:bodyPr>
-          <a:lstStyle/>
-          <a:p>
-            <a:r>
-              <a:rPr lang="en-US" sz="2000" b="1" dirty="0" smtClean="0"/>
-              <a:t>Completed Trainings</a:t>
-            </a:r>
-            <a:endParaRPr lang="en-US" sz="2000" b="1" dirty="0"/>
-          </a:p>
-        </p:txBody>
-      </p:sp>
-      <p:sp>
-        <p:nvSpPr>
-          <p:cNvPr id="25603" name="Rectangle 3"/>
-          <p:cNvSpPr>
-            <a:spLocks noGrp="1" noChangeArrowheads="1"/>
-          </p:cNvSpPr>
-          <p:nvPr>
-            <p:ph sz="quarter" idx="1"/>
-          </p:nvPr>
-        </p:nvSpPr>
-        <p:spPr>
-          <a:xfrm>
-            <a:off x="612648" y="1828800"/>
-            <a:ext cx="7693152" cy="4572000"/>
-          </a:xfrm>
-        </p:spPr>
-        <p:txBody>
-          <a:bodyPr>
-            <a:normAutofit fontScale="85000" lnSpcReduction="10000"/>
-          </a:bodyPr>
-          <a:lstStyle/>
-          <a:p>
-            <a:pPr>
-              <a:buFont typeface="Wingdings" pitchFamily="2" charset="2"/>
-              <a:buChar char="ü"/>
-            </a:pPr>
-            <a:r>
-              <a:rPr lang="en-US" sz="1800" dirty="0" smtClean="0"/>
-              <a:t>All completed trainings need to tracked here</a:t>
-            </a:r>
-          </a:p>
-          <a:p>
-            <a:pPr>
-              <a:buFont typeface="Wingdings" pitchFamily="2" charset="2"/>
-              <a:buChar char="ü"/>
-            </a:pPr>
-            <a:r>
-              <a:rPr lang="en-US" sz="1800" dirty="0" smtClean="0"/>
-              <a:t>This can be in the form of table with columns as </a:t>
-            </a:r>
-          </a:p>
-          <a:p>
-            <a:pPr lvl="1">
-              <a:buFont typeface="Wingdings" pitchFamily="2" charset="2"/>
-              <a:buChar char="ü"/>
-            </a:pPr>
-            <a:r>
-              <a:rPr lang="en-US" sz="1500" dirty="0" smtClean="0"/>
-              <a:t>S.No</a:t>
-            </a:r>
-          </a:p>
-          <a:p>
-            <a:pPr lvl="1">
-              <a:buFont typeface="Wingdings" pitchFamily="2" charset="2"/>
-              <a:buChar char="ü"/>
-            </a:pPr>
-            <a:r>
-              <a:rPr lang="en-US" sz="1500" dirty="0" smtClean="0"/>
-              <a:t>Presentation topic</a:t>
-            </a:r>
-          </a:p>
-          <a:p>
-            <a:pPr lvl="1">
-              <a:buFont typeface="Wingdings" pitchFamily="2" charset="2"/>
-              <a:buChar char="ü"/>
-            </a:pPr>
-            <a:r>
-              <a:rPr lang="en-US" sz="1500" dirty="0" smtClean="0"/>
-              <a:t>Presenter</a:t>
-            </a:r>
-          </a:p>
-          <a:p>
-            <a:pPr lvl="1">
-              <a:buFont typeface="Wingdings" pitchFamily="2" charset="2"/>
-              <a:buChar char="ü"/>
-            </a:pPr>
-            <a:r>
-              <a:rPr lang="en-US" sz="1500" dirty="0" smtClean="0"/>
-              <a:t>Completion date</a:t>
-            </a:r>
-          </a:p>
-          <a:p>
-            <a:pPr lvl="1">
-              <a:buFont typeface="Wingdings" pitchFamily="2" charset="2"/>
-              <a:buChar char="ü"/>
-            </a:pPr>
-            <a:r>
-              <a:rPr lang="en-US" sz="1500" dirty="0" smtClean="0"/>
-              <a:t>Link to download PPT</a:t>
-            </a:r>
-          </a:p>
-          <a:p>
-            <a:pPr lvl="1">
-              <a:buFont typeface="Wingdings" pitchFamily="2" charset="2"/>
-              <a:buChar char="ü"/>
-            </a:pPr>
-            <a:r>
-              <a:rPr lang="en-US" sz="1500" dirty="0" smtClean="0"/>
-              <a:t>Link to run video if available</a:t>
-            </a:r>
-          </a:p>
-          <a:p>
-            <a:pPr lvl="1">
-              <a:buFont typeface="Wingdings" pitchFamily="2" charset="2"/>
-              <a:buChar char="ü"/>
-            </a:pPr>
-            <a:r>
-              <a:rPr lang="en-US" sz="1500" dirty="0" smtClean="0"/>
-              <a:t>No of attendees</a:t>
-            </a:r>
-          </a:p>
-          <a:p>
-            <a:pPr lvl="1">
-              <a:buFont typeface="Wingdings" pitchFamily="2" charset="2"/>
-              <a:buChar char="ü"/>
-            </a:pPr>
-            <a:r>
-              <a:rPr lang="en-US" sz="1500" dirty="0" smtClean="0"/>
-              <a:t>Average rating received</a:t>
-            </a:r>
-          </a:p>
-          <a:p>
-            <a:pPr lvl="1">
-              <a:buFont typeface="Wingdings" pitchFamily="2" charset="2"/>
-              <a:buChar char="ü"/>
-            </a:pPr>
-            <a:r>
-              <a:rPr lang="en-US" sz="1500" dirty="0" smtClean="0"/>
-              <a:t>Link that points to all the feedback received without names (Should be accessed only by presenter )</a:t>
-            </a:r>
-          </a:p>
-          <a:p>
-            <a:pPr>
-              <a:buFont typeface="Wingdings" pitchFamily="2" charset="2"/>
-              <a:buChar char="ü"/>
-            </a:pPr>
-            <a:r>
-              <a:rPr lang="en-US" sz="1800" dirty="0" smtClean="0"/>
-              <a:t>People come on weekends and do we really recognize them.</a:t>
-            </a:r>
-          </a:p>
-          <a:p>
-            <a:pPr>
-              <a:buFont typeface="Wingdings" pitchFamily="2" charset="2"/>
-              <a:buChar char="ü"/>
-            </a:pPr>
-            <a:r>
-              <a:rPr lang="en-US" sz="1800" dirty="0" smtClean="0"/>
-              <a:t>If there is good feedback on the training then Learning department should drop a mail to their manager and AVP appreciating the efforts of employee . This will make him repeat the act</a:t>
-            </a:r>
-            <a:r>
-              <a:rPr lang="en-US" sz="1800" b="1" dirty="0" smtClean="0"/>
-              <a:t>. Recognizing employees is one best way to make him repeat another good presentation </a:t>
-            </a:r>
-          </a:p>
-          <a:p>
-            <a:pPr>
-              <a:buFont typeface="Wingdings" pitchFamily="2" charset="2"/>
-              <a:buChar char="ü"/>
-            </a:pPr>
-            <a:r>
-              <a:rPr lang="en-US" sz="1800" dirty="0" smtClean="0"/>
-              <a:t>If feedback is not proper share with employee and leave it . Don’t share with manager.</a:t>
-            </a:r>
-          </a:p>
-          <a:p>
-            <a:pPr>
-              <a:buFont typeface="Wingdings" pitchFamily="2" charset="2"/>
-              <a:buChar char="ü"/>
-            </a:pPr>
-            <a:endParaRPr lang="en-US" sz="1800" dirty="0" smtClean="0"/>
-          </a:p>
-          <a:p>
-            <a:pPr>
-              <a:buFont typeface="Wingdings" pitchFamily="2" charset="2"/>
-              <a:buChar char="ü"/>
-            </a:pPr>
-            <a:endParaRPr lang="en-US" sz="1800" dirty="0" smtClean="0"/>
-          </a:p>
-          <a:p>
-            <a:pPr>
-              <a:buNone/>
-            </a:pPr>
-            <a:endParaRPr lang="en-US" sz="1800" dirty="0" smtClean="0"/>
-          </a:p>
-        </p:txBody>
-      </p:sp>
-    </p:spTree>
-  </p:cSld>
-  <p:clrMapOvr>
-    <a:masterClrMapping/>
-  </p:clrMapOvr>
-  <p:transition spd="slow">
-    <p:wedge/>
-  </p:transition>
-  <p:timing>
-    <p:tnLst>
-      <p:par>
-        <p:cTn id="1" dur="indefinite" restart="never" nodeType="tmRoot"/>
-      </p:par>
-    </p:tnLst>
-  </p:timing>
-</p:sld>
-</file>
-
-<file path=ppt/slides/slide16.xml><?xml version="1.0" encoding="utf-8"?>
-<p:sld xmlns:a="http://schemas.openxmlformats.org/drawingml/2006/main" xmlns:r="http://schemas.openxmlformats.org/officeDocument/2006/relationships" xmlns:p="http://schemas.openxmlformats.org/presentationml/2006/main">
-  <p:cSld>
-    <p:spTree>
-      <p:nvGrpSpPr>
-        <p:cNvPr id="1" name=""/>
-        <p:cNvGrpSpPr/>
-        <p:nvPr/>
-      </p:nvGrpSpPr>
-      <p:grpSpPr>
-        <a:xfrm>
-          <a:off x="0" y="0"/>
-          <a:ext cx="0" cy="0"/>
-          <a:chOff x="0" y="0"/>
-          <a:chExt cx="0" cy="0"/>
-        </a:xfrm>
-      </p:grpSpPr>
-      <p:sp>
-        <p:nvSpPr>
-          <p:cNvPr id="25602" name="Rectangle 2"/>
-          <p:cNvSpPr>
-            <a:spLocks noGrp="1" noChangeArrowheads="1"/>
-          </p:cNvSpPr>
-          <p:nvPr>
-            <p:ph type="title"/>
-          </p:nvPr>
-        </p:nvSpPr>
-        <p:spPr/>
-        <p:txBody>
-          <a:bodyPr>
-            <a:normAutofit/>
-          </a:bodyPr>
-          <a:lstStyle/>
-          <a:p>
-            <a:r>
-              <a:rPr lang="en-US" sz="2000" b="1" dirty="0" smtClean="0"/>
-              <a:t>Request for training</a:t>
-            </a:r>
-            <a:endParaRPr lang="en-US" sz="2000" b="1" dirty="0"/>
-          </a:p>
-        </p:txBody>
-      </p:sp>
-      <p:sp>
-        <p:nvSpPr>
-          <p:cNvPr id="25603" name="Rectangle 3"/>
-          <p:cNvSpPr>
-            <a:spLocks noGrp="1" noChangeArrowheads="1"/>
-          </p:cNvSpPr>
-          <p:nvPr>
-            <p:ph sz="quarter" idx="1"/>
-          </p:nvPr>
-        </p:nvSpPr>
-        <p:spPr>
-          <a:xfrm>
-            <a:off x="612648" y="1828800"/>
-            <a:ext cx="7693152" cy="4572000"/>
-          </a:xfrm>
-        </p:spPr>
-        <p:txBody>
-          <a:bodyPr>
-            <a:normAutofit/>
-          </a:bodyPr>
-          <a:lstStyle/>
-          <a:p>
-            <a:pPr>
-              <a:buFont typeface="Wingdings" pitchFamily="2" charset="2"/>
-              <a:buChar char="ü"/>
-            </a:pPr>
-            <a:r>
-              <a:rPr lang="en-IN" sz="1800" dirty="0" smtClean="0"/>
-              <a:t>This page is like a product backlog list.</a:t>
-            </a:r>
-          </a:p>
-          <a:p>
-            <a:pPr>
-              <a:buFont typeface="Wingdings" pitchFamily="2" charset="2"/>
-              <a:buChar char="ü"/>
-            </a:pPr>
-            <a:r>
-              <a:rPr lang="en-IN" sz="1800" dirty="0" smtClean="0"/>
-              <a:t>There should be a link to raise a request for training . All the raised requests need to be traced and Topics requested which are not fulfilled need to be displayed on this page . This can be in the form of table with columns as </a:t>
-            </a:r>
-          </a:p>
-          <a:p>
-            <a:pPr lvl="1">
-              <a:buFont typeface="Wingdings" pitchFamily="2" charset="2"/>
-              <a:buChar char="ü"/>
-            </a:pPr>
-            <a:r>
-              <a:rPr lang="en-IN" sz="1500" dirty="0" err="1" smtClean="0"/>
-              <a:t>S.No</a:t>
-            </a:r>
-            <a:endParaRPr lang="en-IN" sz="1500" dirty="0" smtClean="0"/>
-          </a:p>
-          <a:p>
-            <a:pPr lvl="1">
-              <a:buFont typeface="Wingdings" pitchFamily="2" charset="2"/>
-              <a:buChar char="ü"/>
-            </a:pPr>
-            <a:r>
-              <a:rPr lang="en-IN" sz="1500" dirty="0" smtClean="0"/>
-              <a:t>Topic Requested</a:t>
-            </a:r>
-          </a:p>
-          <a:p>
-            <a:pPr lvl="1">
-              <a:buFont typeface="Wingdings" pitchFamily="2" charset="2"/>
-              <a:buChar char="ü"/>
-            </a:pPr>
-            <a:r>
-              <a:rPr lang="en-IN" sz="1500" dirty="0" smtClean="0"/>
-              <a:t>Pending Since</a:t>
-            </a:r>
-          </a:p>
-          <a:p>
-            <a:pPr lvl="1">
-              <a:buFont typeface="Wingdings" pitchFamily="2" charset="2"/>
-              <a:buChar char="ü"/>
-            </a:pPr>
-            <a:r>
-              <a:rPr lang="en-IN" sz="1500" dirty="0" smtClean="0"/>
-              <a:t>Requestor name</a:t>
-            </a:r>
-          </a:p>
-          <a:p>
-            <a:pPr lvl="1">
-              <a:buFont typeface="Wingdings" pitchFamily="2" charset="2"/>
-              <a:buChar char="ü"/>
-            </a:pPr>
-            <a:r>
-              <a:rPr lang="en-IN" sz="1500" dirty="0" smtClean="0"/>
-              <a:t>Vote button</a:t>
-            </a:r>
-          </a:p>
-          <a:p>
-            <a:pPr>
-              <a:buFont typeface="Wingdings" pitchFamily="2" charset="2"/>
-              <a:buChar char="ü"/>
-            </a:pPr>
-            <a:r>
-              <a:rPr lang="en-IN" sz="1800" dirty="0" smtClean="0"/>
-              <a:t>Topic  that are fulfilled need to be removed from this page</a:t>
-            </a:r>
-          </a:p>
-          <a:p>
-            <a:pPr>
-              <a:buFont typeface="Wingdings" pitchFamily="2" charset="2"/>
-              <a:buChar char="ü"/>
-            </a:pPr>
-            <a:endParaRPr lang="en-US" sz="1800" dirty="0" smtClean="0"/>
-          </a:p>
-          <a:p>
-            <a:pPr>
-              <a:buNone/>
-            </a:pPr>
-            <a:endParaRPr lang="en-US" sz="1800" dirty="0" smtClean="0"/>
-          </a:p>
-        </p:txBody>
-      </p:sp>
-    </p:spTree>
-  </p:cSld>
-  <p:clrMapOvr>
-    <a:masterClrMapping/>
-  </p:clrMapOvr>
-  <p:transition spd="slow">
-    <p:wedge/>
-  </p:transition>
-  <p:timing>
-    <p:tnLst>
-      <p:par>
-        <p:cTn id="1" dur="indefinite" restart="never" nodeType="tmRoot"/>
-      </p:par>
-    </p:tnLst>
-  </p:timing>
-</p:sld>
-</file>
-
-<file path=ppt/slides/slide17.xml><?xml version="1.0" encoding="utf-8"?>
-<p:sld xmlns:a="http://schemas.openxmlformats.org/drawingml/2006/main" xmlns:r="http://schemas.openxmlformats.org/officeDocument/2006/relationships" xmlns:p="http://schemas.openxmlformats.org/presentationml/2006/main">
-  <p:cSld>
-    <p:spTree>
-      <p:nvGrpSpPr>
-        <p:cNvPr id="1" name=""/>
-        <p:cNvGrpSpPr/>
-        <p:nvPr/>
-      </p:nvGrpSpPr>
-      <p:grpSpPr>
-        <a:xfrm>
-          <a:off x="0" y="0"/>
-          <a:ext cx="0" cy="0"/>
-          <a:chOff x="0" y="0"/>
-          <a:chExt cx="0" cy="0"/>
-        </a:xfrm>
-      </p:grpSpPr>
-      <p:sp>
-        <p:nvSpPr>
-          <p:cNvPr id="25602" name="Rectangle 2"/>
-          <p:cNvSpPr>
-            <a:spLocks noGrp="1" noChangeArrowheads="1"/>
-          </p:cNvSpPr>
-          <p:nvPr>
-            <p:ph type="title"/>
-          </p:nvPr>
-        </p:nvSpPr>
-        <p:spPr/>
-        <p:txBody>
-          <a:bodyPr>
-            <a:normAutofit/>
-          </a:bodyPr>
-          <a:lstStyle/>
-          <a:p>
-            <a:r>
-              <a:rPr lang="en-US" sz="2000" b="1" dirty="0" smtClean="0"/>
-              <a:t>I want to train</a:t>
-            </a:r>
-            <a:endParaRPr lang="en-US" sz="2000" b="1" dirty="0"/>
-          </a:p>
-        </p:txBody>
-      </p:sp>
-      <p:sp>
-        <p:nvSpPr>
-          <p:cNvPr id="25603" name="Rectangle 3"/>
-          <p:cNvSpPr>
-            <a:spLocks noGrp="1" noChangeArrowheads="1"/>
-          </p:cNvSpPr>
-          <p:nvPr>
-            <p:ph sz="quarter" idx="1"/>
-          </p:nvPr>
-        </p:nvSpPr>
-        <p:spPr>
-          <a:xfrm>
-            <a:off x="612648" y="1828800"/>
-            <a:ext cx="7693152" cy="4572000"/>
-          </a:xfrm>
-        </p:spPr>
-        <p:txBody>
-          <a:bodyPr>
-            <a:normAutofit/>
-          </a:bodyPr>
-          <a:lstStyle/>
-          <a:p>
-            <a:pPr>
-              <a:buFont typeface="Wingdings" pitchFamily="2" charset="2"/>
-              <a:buChar char="ü"/>
-            </a:pPr>
-            <a:r>
-              <a:rPr lang="en-US" sz="1800" dirty="0" smtClean="0"/>
-              <a:t>Detailed list of guidelines for trainer</a:t>
-            </a:r>
-          </a:p>
-          <a:p>
-            <a:pPr lvl="1">
-              <a:buFont typeface="Wingdings" pitchFamily="2" charset="2"/>
-              <a:buChar char="ü"/>
-            </a:pPr>
-            <a:r>
-              <a:rPr lang="en-US" sz="1500" dirty="0" smtClean="0"/>
-              <a:t>Minimum time for session</a:t>
-            </a:r>
-          </a:p>
-          <a:p>
-            <a:pPr lvl="1">
-              <a:buFont typeface="Wingdings" pitchFamily="2" charset="2"/>
-              <a:buChar char="ü"/>
-            </a:pPr>
-            <a:r>
-              <a:rPr lang="en-US" sz="1500" dirty="0" smtClean="0"/>
-              <a:t>Expected quality of session</a:t>
-            </a:r>
-          </a:p>
-          <a:p>
-            <a:pPr lvl="1">
-              <a:buFont typeface="Wingdings" pitchFamily="2" charset="2"/>
-              <a:buChar char="ü"/>
-            </a:pPr>
-            <a:r>
-              <a:rPr lang="en-US" sz="1500" dirty="0" smtClean="0"/>
-              <a:t>He must aware of the feedback process and average rating values</a:t>
-            </a:r>
-          </a:p>
-          <a:p>
-            <a:pPr>
-              <a:buFont typeface="Wingdings" pitchFamily="2" charset="2"/>
-              <a:buChar char="ü"/>
-            </a:pPr>
-            <a:r>
-              <a:rPr lang="en-US" sz="1800" dirty="0" smtClean="0"/>
-              <a:t>Mail details of the person to be contacted to make a session</a:t>
-            </a:r>
-          </a:p>
-          <a:p>
-            <a:pPr>
-              <a:buFont typeface="Wingdings" pitchFamily="2" charset="2"/>
-              <a:buChar char="ü"/>
-            </a:pPr>
-            <a:endParaRPr lang="en-US" sz="1800" dirty="0" smtClean="0"/>
-          </a:p>
-          <a:p>
-            <a:pPr>
-              <a:buNone/>
-            </a:pPr>
-            <a:endParaRPr lang="en-US" sz="1800" dirty="0" smtClean="0"/>
-          </a:p>
-        </p:txBody>
-      </p:sp>
-    </p:spTree>
-  </p:cSld>
-  <p:clrMapOvr>
-    <a:masterClrMapping/>
-  </p:clrMapOvr>
-  <p:transition spd="slow">
-    <p:wedge/>
-  </p:transition>
-  <p:timing>
-    <p:tnLst>
-      <p:par>
-        <p:cTn id="1" dur="indefinite" restart="never" nodeType="tmRoot"/>
-      </p:par>
-    </p:tnLst>
-  </p:timing>
-</p:sld>
-</file>
-
-<file path=ppt/slides/slide18.xml><?xml version="1.0" encoding="utf-8"?>
-<p:sld xmlns:a="http://schemas.openxmlformats.org/drawingml/2006/main" xmlns:r="http://schemas.openxmlformats.org/officeDocument/2006/relationships" xmlns:p="http://schemas.openxmlformats.org/presentationml/2006/main">
-  <p:cSld>
-    <p:spTree>
-      <p:nvGrpSpPr>
-        <p:cNvPr id="1" name=""/>
-        <p:cNvGrpSpPr/>
-        <p:nvPr/>
-      </p:nvGrpSpPr>
-      <p:grpSpPr>
-        <a:xfrm>
-          <a:off x="0" y="0"/>
-          <a:ext cx="0" cy="0"/>
-          <a:chOff x="0" y="0"/>
-          <a:chExt cx="0" cy="0"/>
-        </a:xfrm>
-      </p:grpSpPr>
-      <p:sp>
-        <p:nvSpPr>
-          <p:cNvPr id="25602" name="Rectangle 2"/>
-          <p:cNvSpPr>
-            <a:spLocks noGrp="1" noChangeArrowheads="1"/>
-          </p:cNvSpPr>
-          <p:nvPr>
-            <p:ph type="title"/>
-          </p:nvPr>
-        </p:nvSpPr>
-        <p:spPr/>
-        <p:txBody>
-          <a:bodyPr>
-            <a:normAutofit/>
-          </a:bodyPr>
-          <a:lstStyle/>
-          <a:p>
-            <a:r>
-              <a:rPr lang="en-US" sz="2000" b="1" dirty="0" smtClean="0"/>
-              <a:t>Trainers in Prokarma</a:t>
-            </a:r>
-            <a:endParaRPr lang="en-US" sz="2000" b="1" dirty="0"/>
-          </a:p>
-        </p:txBody>
-      </p:sp>
-      <p:sp>
-        <p:nvSpPr>
-          <p:cNvPr id="25603" name="Rectangle 3"/>
-          <p:cNvSpPr>
-            <a:spLocks noGrp="1" noChangeArrowheads="1"/>
-          </p:cNvSpPr>
-          <p:nvPr>
-            <p:ph sz="quarter" idx="1"/>
-          </p:nvPr>
-        </p:nvSpPr>
-        <p:spPr>
-          <a:xfrm>
-            <a:off x="612648" y="1828800"/>
-            <a:ext cx="7693152" cy="4572000"/>
-          </a:xfrm>
-        </p:spPr>
-        <p:txBody>
-          <a:bodyPr>
-            <a:normAutofit/>
-          </a:bodyPr>
-          <a:lstStyle/>
-          <a:p>
-            <a:pPr>
-              <a:buFont typeface="Wingdings" pitchFamily="2" charset="2"/>
-              <a:buChar char="ü"/>
-            </a:pPr>
-            <a:r>
-              <a:rPr lang="en-US" sz="1800" dirty="0" smtClean="0"/>
-              <a:t>Main purpose of this page is to motivate employees and make them feel proud about the training work that is made</a:t>
-            </a:r>
-          </a:p>
-          <a:p>
-            <a:pPr>
-              <a:buFont typeface="Wingdings" pitchFamily="2" charset="2"/>
-              <a:buChar char="ü"/>
-            </a:pPr>
-            <a:r>
-              <a:rPr lang="en-US" sz="1800" dirty="0" smtClean="0"/>
-              <a:t>We need to display photos of all trainers who got average decent rating (3.5 and above ) and contribution made by them to training department. This approach will increase their visibility and make them feel proud.</a:t>
-            </a:r>
-          </a:p>
-          <a:p>
-            <a:pPr>
-              <a:buFont typeface="Wingdings" pitchFamily="2" charset="2"/>
-              <a:buChar char="ü"/>
-            </a:pPr>
-            <a:r>
-              <a:rPr lang="en-US" sz="1800" dirty="0" smtClean="0"/>
-              <a:t>Talk to trainers is another way of appreciating employees</a:t>
-            </a:r>
-          </a:p>
-          <a:p>
-            <a:pPr>
-              <a:buFont typeface="Wingdings" pitchFamily="2" charset="2"/>
-              <a:buChar char="ü"/>
-            </a:pPr>
-            <a:endParaRPr lang="en-US" sz="1800" dirty="0" smtClean="0"/>
-          </a:p>
-          <a:p>
-            <a:pPr>
-              <a:buNone/>
-            </a:pPr>
-            <a:endParaRPr lang="en-US" sz="1800" dirty="0" smtClean="0"/>
-          </a:p>
-        </p:txBody>
-      </p:sp>
-    </p:spTree>
-  </p:cSld>
-  <p:clrMapOvr>
-    <a:masterClrMapping/>
-  </p:clrMapOvr>
-  <p:transition spd="slow">
-    <p:wedge/>
-  </p:transition>
-  <p:timing>
-    <p:tnLst>
-      <p:par>
-        <p:cTn id="1" dur="indefinite" restart="never" nodeType="tmRoot"/>
-      </p:par>
-    </p:tnLst>
-  </p:timing>
-</p:sld>
-</file>
-
-<file path=ppt/slides/slide19.xml><?xml version="1.0" encoding="utf-8"?>
-<p:sld xmlns:a="http://schemas.openxmlformats.org/drawingml/2006/main" xmlns:r="http://schemas.openxmlformats.org/officeDocument/2006/relationships" xmlns:p="http://schemas.openxmlformats.org/presentationml/2006/main">
-  <p:cSld>
-    <p:spTree>
-      <p:nvGrpSpPr>
-        <p:cNvPr id="1" name=""/>
-        <p:cNvGrpSpPr/>
-        <p:nvPr/>
-      </p:nvGrpSpPr>
-      <p:grpSpPr>
-        <a:xfrm>
-          <a:off x="0" y="0"/>
-          <a:ext cx="0" cy="0"/>
-          <a:chOff x="0" y="0"/>
-          <a:chExt cx="0" cy="0"/>
-        </a:xfrm>
-      </p:grpSpPr>
-      <p:sp>
-        <p:nvSpPr>
-          <p:cNvPr id="25602" name="Rectangle 2"/>
-          <p:cNvSpPr>
-            <a:spLocks noGrp="1" noChangeArrowheads="1"/>
-          </p:cNvSpPr>
-          <p:nvPr>
-            <p:ph type="title"/>
-          </p:nvPr>
-        </p:nvSpPr>
-        <p:spPr/>
-        <p:txBody>
-          <a:bodyPr>
-            <a:normAutofit/>
-          </a:bodyPr>
-          <a:lstStyle/>
-          <a:p>
-            <a:r>
-              <a:rPr lang="en-US" sz="2000" b="1" dirty="0" smtClean="0"/>
-              <a:t>Awards &amp; Rewards</a:t>
-            </a:r>
-            <a:endParaRPr lang="en-US" sz="2000" b="1" dirty="0"/>
-          </a:p>
-        </p:txBody>
-      </p:sp>
-      <p:sp>
-        <p:nvSpPr>
-          <p:cNvPr id="25603" name="Rectangle 3"/>
-          <p:cNvSpPr>
-            <a:spLocks noGrp="1" noChangeArrowheads="1"/>
-          </p:cNvSpPr>
-          <p:nvPr>
-            <p:ph sz="quarter" idx="1"/>
-          </p:nvPr>
-        </p:nvSpPr>
-        <p:spPr>
-          <a:xfrm>
-            <a:off x="612648" y="1828800"/>
-            <a:ext cx="7693152" cy="4572000"/>
-          </a:xfrm>
-        </p:spPr>
-        <p:txBody>
-          <a:bodyPr>
-            <a:normAutofit/>
-          </a:bodyPr>
-          <a:lstStyle/>
-          <a:p>
-            <a:pPr>
-              <a:buFont typeface="Wingdings" pitchFamily="2" charset="2"/>
-              <a:buChar char="ü"/>
-            </a:pPr>
-            <a:r>
-              <a:rPr lang="en-US" sz="1800" dirty="0" smtClean="0"/>
-              <a:t>We have to come out with clear guidelines to give award for employees who have made outstanding contribution to learning department.</a:t>
-            </a:r>
-          </a:p>
-          <a:p>
-            <a:pPr>
-              <a:buFont typeface="Wingdings" pitchFamily="2" charset="2"/>
-              <a:buChar char="ü"/>
-            </a:pPr>
-            <a:r>
-              <a:rPr lang="en-US" sz="1800" dirty="0" smtClean="0"/>
-              <a:t>All norms and conditions for getting award need to be displayed on this page and also list to employees who received award need to be displayed.</a:t>
-            </a:r>
-          </a:p>
-          <a:p>
-            <a:pPr>
-              <a:buNone/>
-            </a:pPr>
-            <a:endParaRPr lang="en-US" sz="1800" dirty="0" smtClean="0"/>
-          </a:p>
-          <a:p>
-            <a:pPr>
-              <a:buFont typeface="Wingdings" pitchFamily="2" charset="2"/>
-              <a:buChar char="ü"/>
-            </a:pPr>
-            <a:endParaRPr lang="en-US" sz="1800" dirty="0" smtClean="0"/>
-          </a:p>
-          <a:p>
-            <a:pPr>
-              <a:buNone/>
-            </a:pPr>
-            <a:endParaRPr lang="en-US" sz="1800" dirty="0" smtClean="0"/>
-          </a:p>
-        </p:txBody>
-      </p:sp>
-    </p:spTree>
-  </p:cSld>
-  <p:clrMapOvr>
-    <a:masterClrMapping/>
-  </p:clrMapOvr>
-  <p:transition spd="slow">
-    <p:wedge/>
-  </p:transition>
-  <p:timing>
-    <p:tnLst>
-      <p:par>
-        <p:cTn id="1" dur="indefinite" restart="never" nodeType="tmRoot"/>
+        <p:cTn id="1" dur="indefinite" restart="never" nodeType="tmRoot">
+          <p:childTnLst>
+            <p:seq concurrent="1" nextAc="seek">
+              <p:cTn id="2" dur="indefinite" nodeType="mainSeq">
+                <p:childTnLst>
+                  <p:par>
+                    <p:cTn id="3" fill="hold">
+                      <p:stCondLst>
+                        <p:cond delay="indefinite"/>
+                      </p:stCondLst>
+                      <p:childTnLst>
+                        <p:par>
+                          <p:cTn id="4" fill="hold">
+                            <p:stCondLst>
+                              <p:cond delay="0"/>
+                            </p:stCondLst>
+                            <p:childTnLst>
+                              <p:par>
+                                <p:cTn id="5" presetID="3" presetClass="entr" presetSubtype="10" fill="hold" nodeType="clickEffect">
+                                  <p:stCondLst>
+                                    <p:cond delay="0"/>
+                                  </p:stCondLst>
+                                  <p:childTnLst>
+                                    <p:set>
+                                      <p:cBhvr>
+                                        <p:cTn id="6" dur="1" fill="hold">
+                                          <p:stCondLst>
+                                            <p:cond delay="0"/>
+                                          </p:stCondLst>
+                                        </p:cTn>
+                                        <p:tgtEl>
+                                          <p:spTgt spid="4">
+                                            <p:txEl>
+                                              <p:pRg st="0" end="0"/>
+                                            </p:txEl>
+                                          </p:spTgt>
+                                        </p:tgtEl>
+                                        <p:attrNameLst>
+                                          <p:attrName>style.visibility</p:attrName>
+                                        </p:attrNameLst>
+                                      </p:cBhvr>
+                                      <p:to>
+                                        <p:strVal val="visible"/>
+                                      </p:to>
+                                    </p:set>
+                                    <p:animEffect transition="in" filter="blinds(horizontal)">
+                                      <p:cBhvr>
+                                        <p:cTn id="7" dur="500"/>
+                                        <p:tgtEl>
+                                          <p:spTgt spid="4">
+                                            <p:txEl>
+                                              <p:pRg st="0" end="0"/>
+                                            </p:txEl>
+                                          </p:spTgt>
+                                        </p:tgtEl>
+                                      </p:cBhvr>
+                                    </p:animEffect>
+                                  </p:childTnLst>
+                                </p:cTn>
+                              </p:par>
+                            </p:childTnLst>
+                          </p:cTn>
+                        </p:par>
+                      </p:childTnLst>
+                    </p:cTn>
+                  </p:par>
+                  <p:par>
+                    <p:cTn id="8" fill="hold">
+                      <p:stCondLst>
+                        <p:cond delay="indefinite"/>
+                      </p:stCondLst>
+                      <p:childTnLst>
+                        <p:par>
+                          <p:cTn id="9" fill="hold">
+                            <p:stCondLst>
+                              <p:cond delay="0"/>
+                            </p:stCondLst>
+                            <p:childTnLst>
+                              <p:par>
+                                <p:cTn id="10" presetID="3" presetClass="entr" presetSubtype="10" fill="hold" nodeType="clickEffect">
+                                  <p:stCondLst>
+                                    <p:cond delay="0"/>
+                                  </p:stCondLst>
+                                  <p:childTnLst>
+                                    <p:set>
+                                      <p:cBhvr>
+                                        <p:cTn id="11" dur="1" fill="hold">
+                                          <p:stCondLst>
+                                            <p:cond delay="0"/>
+                                          </p:stCondLst>
+                                        </p:cTn>
+                                        <p:tgtEl>
+                                          <p:spTgt spid="4">
+                                            <p:txEl>
+                                              <p:pRg st="1" end="1"/>
+                                            </p:txEl>
+                                          </p:spTgt>
+                                        </p:tgtEl>
+                                        <p:attrNameLst>
+                                          <p:attrName>style.visibility</p:attrName>
+                                        </p:attrNameLst>
+                                      </p:cBhvr>
+                                      <p:to>
+                                        <p:strVal val="visible"/>
+                                      </p:to>
+                                    </p:set>
+                                    <p:animEffect transition="in" filter="blinds(horizontal)">
+                                      <p:cBhvr>
+                                        <p:cTn id="12" dur="500"/>
+                                        <p:tgtEl>
+                                          <p:spTgt spid="4">
+                                            <p:txEl>
+                                              <p:pRg st="1" end="1"/>
+                                            </p:txEl>
+                                          </p:spTgt>
+                                        </p:tgtEl>
+                                      </p:cBhvr>
+                                    </p:animEffect>
+                                  </p:childTnLst>
+                                </p:cTn>
+                              </p:par>
+                            </p:childTnLst>
+                          </p:cTn>
+                        </p:par>
+                      </p:childTnLst>
+                    </p:cTn>
+                  </p:par>
+                  <p:par>
+                    <p:cTn id="13" fill="hold">
+                      <p:stCondLst>
+                        <p:cond delay="indefinite"/>
+                      </p:stCondLst>
+                      <p:childTnLst>
+                        <p:par>
+                          <p:cTn id="14" fill="hold">
+                            <p:stCondLst>
+                              <p:cond delay="0"/>
+                            </p:stCondLst>
+                            <p:childTnLst>
+                              <p:par>
+                                <p:cTn id="15" presetID="3" presetClass="entr" presetSubtype="10" fill="hold" nodeType="clickEffect">
+                                  <p:stCondLst>
+                                    <p:cond delay="0"/>
+                                  </p:stCondLst>
+                                  <p:childTnLst>
+                                    <p:set>
+                                      <p:cBhvr>
+                                        <p:cTn id="16" dur="1" fill="hold">
+                                          <p:stCondLst>
+                                            <p:cond delay="0"/>
+                                          </p:stCondLst>
+                                        </p:cTn>
+                                        <p:tgtEl>
+                                          <p:spTgt spid="4">
+                                            <p:txEl>
+                                              <p:pRg st="2" end="2"/>
+                                            </p:txEl>
+                                          </p:spTgt>
+                                        </p:tgtEl>
+                                        <p:attrNameLst>
+                                          <p:attrName>style.visibility</p:attrName>
+                                        </p:attrNameLst>
+                                      </p:cBhvr>
+                                      <p:to>
+                                        <p:strVal val="visible"/>
+                                      </p:to>
+                                    </p:set>
+                                    <p:animEffect transition="in" filter="blinds(horizontal)">
+                                      <p:cBhvr>
+                                        <p:cTn id="17" dur="500"/>
+                                        <p:tgtEl>
+                                          <p:spTgt spid="4">
+                                            <p:txEl>
+                                              <p:pRg st="2" end="2"/>
+                                            </p:txEl>
+                                          </p:spTgt>
+                                        </p:tgtEl>
+                                      </p:cBhvr>
+                                    </p:animEffect>
+                                  </p:childTnLst>
+                                </p:cTn>
+                              </p:par>
+                            </p:childTnLst>
+                          </p:cTn>
+                        </p:par>
+                      </p:childTnLst>
+                    </p:cTn>
+                  </p:par>
+                  <p:par>
+                    <p:cTn id="18" fill="hold">
+                      <p:stCondLst>
+                        <p:cond delay="indefinite"/>
+                      </p:stCondLst>
+                      <p:childTnLst>
+                        <p:par>
+                          <p:cTn id="19" fill="hold">
+                            <p:stCondLst>
+                              <p:cond delay="0"/>
+                            </p:stCondLst>
+                            <p:childTnLst>
+                              <p:par>
+                                <p:cTn id="20" presetID="3" presetClass="entr" presetSubtype="10" fill="hold" nodeType="clickEffect">
+                                  <p:stCondLst>
+                                    <p:cond delay="0"/>
+                                  </p:stCondLst>
+                                  <p:childTnLst>
+                                    <p:set>
+                                      <p:cBhvr>
+                                        <p:cTn id="21" dur="1" fill="hold">
+                                          <p:stCondLst>
+                                            <p:cond delay="0"/>
+                                          </p:stCondLst>
+                                        </p:cTn>
+                                        <p:tgtEl>
+                                          <p:spTgt spid="4">
+                                            <p:txEl>
+                                              <p:pRg st="3" end="3"/>
+                                            </p:txEl>
+                                          </p:spTgt>
+                                        </p:tgtEl>
+                                        <p:attrNameLst>
+                                          <p:attrName>style.visibility</p:attrName>
+                                        </p:attrNameLst>
+                                      </p:cBhvr>
+                                      <p:to>
+                                        <p:strVal val="visible"/>
+                                      </p:to>
+                                    </p:set>
+                                    <p:animEffect transition="in" filter="blinds(horizontal)">
+                                      <p:cBhvr>
+                                        <p:cTn id="22" dur="500"/>
+                                        <p:tgtEl>
+                                          <p:spTgt spid="4">
+                                            <p:txEl>
+                                              <p:pRg st="3" end="3"/>
+                                            </p:txEl>
+                                          </p:spTgt>
+                                        </p:tgtEl>
+                                      </p:cBhvr>
+                                    </p:animEffect>
+                                  </p:childTnLst>
+                                </p:cTn>
+                              </p:par>
+                            </p:childTnLst>
+                          </p:cTn>
+                        </p:par>
+                      </p:childTnLst>
+                    </p:cTn>
+                  </p:par>
+                </p:childTnLst>
+              </p:cTn>
+              <p:prevCondLst>
+                <p:cond evt="onPrev" delay="0">
+                  <p:tgtEl>
+                    <p:sldTgt/>
+                  </p:tgtEl>
+                </p:cond>
+              </p:prevCondLst>
+              <p:nextCondLst>
+                <p:cond evt="onNext" delay="0">
+                  <p:tgtEl>
+                    <p:sldTgt/>
+                  </p:tgtEl>
+                </p:cond>
+              </p:nextCondLst>
+            </p:seq>
+          </p:childTnLst>
+        </p:cTn>
       </p:par>
     </p:tnLst>
   </p:timing>
@@ -9506,749 +8979,6 @@
             </p:seq>
           </p:childTnLst>
         </p:cTn>
-      </p:par>
-    </p:tnLst>
-  </p:timing>
-</p:sld>
-</file>
-
-<file path=ppt/slides/slide20.xml><?xml version="1.0" encoding="utf-8"?>
-<p:sld xmlns:a="http://schemas.openxmlformats.org/drawingml/2006/main" xmlns:r="http://schemas.openxmlformats.org/officeDocument/2006/relationships" xmlns:p="http://schemas.openxmlformats.org/presentationml/2006/main">
-  <p:cSld>
-    <p:spTree>
-      <p:nvGrpSpPr>
-        <p:cNvPr id="1" name=""/>
-        <p:cNvGrpSpPr/>
-        <p:nvPr/>
-      </p:nvGrpSpPr>
-      <p:grpSpPr>
-        <a:xfrm>
-          <a:off x="0" y="0"/>
-          <a:ext cx="0" cy="0"/>
-          <a:chOff x="0" y="0"/>
-          <a:chExt cx="0" cy="0"/>
-        </a:xfrm>
-      </p:grpSpPr>
-      <p:sp>
-        <p:nvSpPr>
-          <p:cNvPr id="25602" name="Rectangle 2"/>
-          <p:cNvSpPr>
-            <a:spLocks noGrp="1" noChangeArrowheads="1"/>
-          </p:cNvSpPr>
-          <p:nvPr>
-            <p:ph type="title"/>
-          </p:nvPr>
-        </p:nvSpPr>
-        <p:spPr/>
-        <p:txBody>
-          <a:bodyPr>
-            <a:normAutofit/>
-          </a:bodyPr>
-          <a:lstStyle/>
-          <a:p>
-            <a:r>
-              <a:rPr lang="en-US" sz="2000" b="1" dirty="0" smtClean="0"/>
-              <a:t>E-book / Online text / Videos</a:t>
-            </a:r>
-            <a:endParaRPr lang="en-US" sz="2000" b="1" dirty="0"/>
-          </a:p>
-        </p:txBody>
-      </p:sp>
-      <p:sp>
-        <p:nvSpPr>
-          <p:cNvPr id="25603" name="Rectangle 3"/>
-          <p:cNvSpPr>
-            <a:spLocks noGrp="1" noChangeArrowheads="1"/>
-          </p:cNvSpPr>
-          <p:nvPr>
-            <p:ph sz="quarter" idx="1"/>
-          </p:nvPr>
-        </p:nvSpPr>
-        <p:spPr>
-          <a:xfrm>
-            <a:off x="612648" y="1828800"/>
-            <a:ext cx="7693152" cy="4572000"/>
-          </a:xfrm>
-        </p:spPr>
-        <p:txBody>
-          <a:bodyPr>
-            <a:normAutofit/>
-          </a:bodyPr>
-          <a:lstStyle/>
-          <a:p>
-            <a:pPr>
-              <a:buFont typeface="Wingdings" pitchFamily="2" charset="2"/>
-              <a:buChar char="ü"/>
-            </a:pPr>
-            <a:r>
-              <a:rPr lang="en-US" sz="1800" dirty="0" smtClean="0"/>
-              <a:t>Main source of learning today is e-book. For any topic there are just two or three good books and tracking those books on a single page will be useful information . I have seen few employees asking me for a good book on a specific technology .</a:t>
-            </a:r>
-          </a:p>
-          <a:p>
-            <a:pPr>
-              <a:buFont typeface="Wingdings" pitchFamily="2" charset="2"/>
-              <a:buChar char="ü"/>
-            </a:pPr>
-            <a:r>
-              <a:rPr lang="en-US" sz="1800" dirty="0" smtClean="0"/>
-              <a:t>I have any idea about format that need to be followed . I will share n meeting</a:t>
-            </a:r>
-          </a:p>
-          <a:p>
-            <a:pPr>
-              <a:buFont typeface="Wingdings" pitchFamily="2" charset="2"/>
-              <a:buChar char="ü"/>
-            </a:pPr>
-            <a:r>
-              <a:rPr lang="en-US" sz="1800" dirty="0" smtClean="0"/>
-              <a:t>On similar lines we have to go for online text and videos</a:t>
-            </a:r>
-          </a:p>
-          <a:p>
-            <a:pPr>
-              <a:buFont typeface="Wingdings" pitchFamily="2" charset="2"/>
-              <a:buChar char="ü"/>
-            </a:pPr>
-            <a:r>
-              <a:rPr lang="en-US" sz="1800" dirty="0" smtClean="0"/>
-              <a:t>Employee participation is required here . I will talk in last slide</a:t>
-            </a:r>
-          </a:p>
-          <a:p>
-            <a:pPr>
-              <a:buFont typeface="Wingdings" pitchFamily="2" charset="2"/>
-              <a:buChar char="ü"/>
-            </a:pPr>
-            <a:endParaRPr lang="en-US" sz="1800" dirty="0" smtClean="0"/>
-          </a:p>
-          <a:p>
-            <a:pPr>
-              <a:buNone/>
-            </a:pPr>
-            <a:endParaRPr lang="en-US" sz="1800" dirty="0" smtClean="0"/>
-          </a:p>
-        </p:txBody>
-      </p:sp>
-    </p:spTree>
-  </p:cSld>
-  <p:clrMapOvr>
-    <a:masterClrMapping/>
-  </p:clrMapOvr>
-  <p:transition spd="slow">
-    <p:wedge/>
-  </p:transition>
-  <p:timing>
-    <p:tnLst>
-      <p:par>
-        <p:cTn id="1" dur="indefinite" restart="never" nodeType="tmRoot"/>
-      </p:par>
-    </p:tnLst>
-  </p:timing>
-</p:sld>
-</file>
-
-<file path=ppt/slides/slide21.xml><?xml version="1.0" encoding="utf-8"?>
-<p:sld xmlns:a="http://schemas.openxmlformats.org/drawingml/2006/main" xmlns:r="http://schemas.openxmlformats.org/officeDocument/2006/relationships" xmlns:p="http://schemas.openxmlformats.org/presentationml/2006/main">
-  <p:cSld>
-    <p:spTree>
-      <p:nvGrpSpPr>
-        <p:cNvPr id="1" name=""/>
-        <p:cNvGrpSpPr/>
-        <p:nvPr/>
-      </p:nvGrpSpPr>
-      <p:grpSpPr>
-        <a:xfrm>
-          <a:off x="0" y="0"/>
-          <a:ext cx="0" cy="0"/>
-          <a:chOff x="0" y="0"/>
-          <a:chExt cx="0" cy="0"/>
-        </a:xfrm>
-      </p:grpSpPr>
-      <p:sp>
-        <p:nvSpPr>
-          <p:cNvPr id="25602" name="Rectangle 2"/>
-          <p:cNvSpPr>
-            <a:spLocks noGrp="1" noChangeArrowheads="1"/>
-          </p:cNvSpPr>
-          <p:nvPr>
-            <p:ph type="title"/>
-          </p:nvPr>
-        </p:nvSpPr>
-        <p:spPr/>
-        <p:txBody>
-          <a:bodyPr>
-            <a:normAutofit/>
-          </a:bodyPr>
-          <a:lstStyle/>
-          <a:p>
-            <a:r>
-              <a:rPr lang="en-US" sz="2000" b="1" dirty="0" smtClean="0"/>
-              <a:t>Certification Mentors</a:t>
-            </a:r>
-            <a:endParaRPr lang="en-US" sz="2000" b="1" dirty="0"/>
-          </a:p>
-        </p:txBody>
-      </p:sp>
-      <p:sp>
-        <p:nvSpPr>
-          <p:cNvPr id="25603" name="Rectangle 3"/>
-          <p:cNvSpPr>
-            <a:spLocks noGrp="1" noChangeArrowheads="1"/>
-          </p:cNvSpPr>
-          <p:nvPr>
-            <p:ph sz="quarter" idx="1"/>
-          </p:nvPr>
-        </p:nvSpPr>
-        <p:spPr>
-          <a:xfrm>
-            <a:off x="612648" y="1828800"/>
-            <a:ext cx="7693152" cy="4572000"/>
-          </a:xfrm>
-        </p:spPr>
-        <p:txBody>
-          <a:bodyPr>
-            <a:normAutofit/>
-          </a:bodyPr>
-          <a:lstStyle/>
-          <a:p>
-            <a:pPr>
-              <a:buFont typeface="Wingdings" pitchFamily="2" charset="2"/>
-              <a:buChar char="ü"/>
-            </a:pPr>
-            <a:r>
-              <a:rPr lang="en-US" sz="1800" dirty="0" smtClean="0"/>
-              <a:t>We want our employees to do certification  and they look for some with whom they can talk and understand process for getting certified.</a:t>
-            </a:r>
-          </a:p>
-          <a:p>
-            <a:pPr>
-              <a:buFont typeface="Wingdings" pitchFamily="2" charset="2"/>
-              <a:buChar char="ü"/>
-            </a:pPr>
-            <a:r>
-              <a:rPr lang="en-US" sz="1800" dirty="0" smtClean="0"/>
-              <a:t>This page should help such employees</a:t>
-            </a:r>
-          </a:p>
-          <a:p>
-            <a:pPr>
-              <a:buFont typeface="Wingdings" pitchFamily="2" charset="2"/>
-              <a:buChar char="ü"/>
-            </a:pPr>
-            <a:r>
-              <a:rPr lang="en-US" sz="1800" dirty="0" smtClean="0"/>
-              <a:t>Identify employees who have done certifications and if they are willing to mentor or guide people we can add them to this page</a:t>
-            </a:r>
-          </a:p>
-          <a:p>
-            <a:pPr>
-              <a:buNone/>
-            </a:pPr>
-            <a:endParaRPr lang="en-US" sz="1800" dirty="0" smtClean="0"/>
-          </a:p>
-          <a:p>
-            <a:pPr lvl="1">
-              <a:buNone/>
-            </a:pPr>
-            <a:endParaRPr lang="en-US" sz="1800" dirty="0" smtClean="0"/>
-          </a:p>
-          <a:p>
-            <a:pPr>
-              <a:buFont typeface="Wingdings" pitchFamily="2" charset="2"/>
-              <a:buChar char="ü"/>
-            </a:pPr>
-            <a:endParaRPr lang="en-US" sz="1800" dirty="0" smtClean="0"/>
-          </a:p>
-          <a:p>
-            <a:pPr>
-              <a:buNone/>
-            </a:pPr>
-            <a:endParaRPr lang="en-US" sz="1800" dirty="0" smtClean="0"/>
-          </a:p>
-        </p:txBody>
-      </p:sp>
-    </p:spTree>
-  </p:cSld>
-  <p:clrMapOvr>
-    <a:masterClrMapping/>
-  </p:clrMapOvr>
-  <p:transition spd="slow">
-    <p:wedge/>
-  </p:transition>
-  <p:timing>
-    <p:tnLst>
-      <p:par>
-        <p:cTn id="1" dur="indefinite" restart="never" nodeType="tmRoot"/>
-      </p:par>
-    </p:tnLst>
-  </p:timing>
-</p:sld>
-</file>
-
-<file path=ppt/slides/slide22.xml><?xml version="1.0" encoding="utf-8"?>
-<p:sld xmlns:a="http://schemas.openxmlformats.org/drawingml/2006/main" xmlns:r="http://schemas.openxmlformats.org/officeDocument/2006/relationships" xmlns:p="http://schemas.openxmlformats.org/presentationml/2006/main">
-  <p:cSld>
-    <p:spTree>
-      <p:nvGrpSpPr>
-        <p:cNvPr id="1" name=""/>
-        <p:cNvGrpSpPr/>
-        <p:nvPr/>
-      </p:nvGrpSpPr>
-      <p:grpSpPr>
-        <a:xfrm>
-          <a:off x="0" y="0"/>
-          <a:ext cx="0" cy="0"/>
-          <a:chOff x="0" y="0"/>
-          <a:chExt cx="0" cy="0"/>
-        </a:xfrm>
-      </p:grpSpPr>
-      <p:sp>
-        <p:nvSpPr>
-          <p:cNvPr id="25602" name="Rectangle 2"/>
-          <p:cNvSpPr>
-            <a:spLocks noGrp="1" noChangeArrowheads="1"/>
-          </p:cNvSpPr>
-          <p:nvPr>
-            <p:ph type="title"/>
-          </p:nvPr>
-        </p:nvSpPr>
-        <p:spPr/>
-        <p:txBody>
-          <a:bodyPr>
-            <a:normAutofit/>
-          </a:bodyPr>
-          <a:lstStyle/>
-          <a:p>
-            <a:r>
-              <a:rPr lang="en-US" sz="2000" b="1" dirty="0" smtClean="0"/>
-              <a:t>Recommended Certifications</a:t>
-            </a:r>
-            <a:endParaRPr lang="en-US" sz="2000" b="1" dirty="0"/>
-          </a:p>
-        </p:txBody>
-      </p:sp>
-      <p:sp>
-        <p:nvSpPr>
-          <p:cNvPr id="25603" name="Rectangle 3"/>
-          <p:cNvSpPr>
-            <a:spLocks noGrp="1" noChangeArrowheads="1"/>
-          </p:cNvSpPr>
-          <p:nvPr>
-            <p:ph sz="quarter" idx="1"/>
-          </p:nvPr>
-        </p:nvSpPr>
-        <p:spPr>
-          <a:xfrm>
-            <a:off x="612648" y="1828800"/>
-            <a:ext cx="7693152" cy="4572000"/>
-          </a:xfrm>
-        </p:spPr>
-        <p:txBody>
-          <a:bodyPr>
-            <a:normAutofit/>
-          </a:bodyPr>
-          <a:lstStyle/>
-          <a:p>
-            <a:pPr>
-              <a:buFont typeface="Wingdings" pitchFamily="2" charset="2"/>
-              <a:buChar char="ü"/>
-            </a:pPr>
-            <a:r>
-              <a:rPr lang="en-US" sz="1800" dirty="0" smtClean="0"/>
-              <a:t>All certifications as recommended by prokarma for both technical and technical areas should be displayed here .</a:t>
-            </a:r>
-          </a:p>
-          <a:p>
-            <a:pPr>
-              <a:buFont typeface="Wingdings" pitchFamily="2" charset="2"/>
-              <a:buChar char="ü"/>
-            </a:pPr>
-            <a:r>
-              <a:rPr lang="en-US" sz="1800" dirty="0" smtClean="0"/>
-              <a:t>Clear direction about certifications is present here </a:t>
-            </a:r>
-          </a:p>
-          <a:p>
-            <a:pPr>
-              <a:buFont typeface="Wingdings" pitchFamily="2" charset="2"/>
-              <a:buChar char="ü"/>
-            </a:pPr>
-            <a:r>
-              <a:rPr lang="en-US" sz="1800" dirty="0" smtClean="0"/>
-              <a:t>Few certification that are inline with organization goals need to be documented here</a:t>
-            </a:r>
-          </a:p>
-          <a:p>
-            <a:pPr>
-              <a:buFont typeface="Wingdings" pitchFamily="2" charset="2"/>
-              <a:buChar char="ü"/>
-            </a:pPr>
-            <a:endParaRPr lang="en-US" sz="1800" dirty="0" smtClean="0"/>
-          </a:p>
-          <a:p>
-            <a:pPr>
-              <a:buNone/>
-            </a:pPr>
-            <a:endParaRPr lang="en-US" sz="1800" dirty="0" smtClean="0"/>
-          </a:p>
-          <a:p>
-            <a:pPr lvl="1">
-              <a:buNone/>
-            </a:pPr>
-            <a:endParaRPr lang="en-US" sz="1800" dirty="0" smtClean="0"/>
-          </a:p>
-          <a:p>
-            <a:pPr>
-              <a:buFont typeface="Wingdings" pitchFamily="2" charset="2"/>
-              <a:buChar char="ü"/>
-            </a:pPr>
-            <a:endParaRPr lang="en-US" sz="1800" dirty="0" smtClean="0"/>
-          </a:p>
-          <a:p>
-            <a:pPr>
-              <a:buNone/>
-            </a:pPr>
-            <a:endParaRPr lang="en-US" sz="1800" dirty="0" smtClean="0"/>
-          </a:p>
-        </p:txBody>
-      </p:sp>
-    </p:spTree>
-  </p:cSld>
-  <p:clrMapOvr>
-    <a:masterClrMapping/>
-  </p:clrMapOvr>
-  <p:transition spd="slow">
-    <p:wedge/>
-  </p:transition>
-  <p:timing>
-    <p:tnLst>
-      <p:par>
-        <p:cTn id="1" dur="indefinite" restart="never" nodeType="tmRoot"/>
-      </p:par>
-    </p:tnLst>
-  </p:timing>
-</p:sld>
-</file>
-
-<file path=ppt/slides/slide23.xml><?xml version="1.0" encoding="utf-8"?>
-<p:sld xmlns:a="http://schemas.openxmlformats.org/drawingml/2006/main" xmlns:r="http://schemas.openxmlformats.org/officeDocument/2006/relationships" xmlns:p="http://schemas.openxmlformats.org/presentationml/2006/main">
-  <p:cSld>
-    <p:spTree>
-      <p:nvGrpSpPr>
-        <p:cNvPr id="1" name=""/>
-        <p:cNvGrpSpPr/>
-        <p:nvPr/>
-      </p:nvGrpSpPr>
-      <p:grpSpPr>
-        <a:xfrm>
-          <a:off x="0" y="0"/>
-          <a:ext cx="0" cy="0"/>
-          <a:chOff x="0" y="0"/>
-          <a:chExt cx="0" cy="0"/>
-        </a:xfrm>
-      </p:grpSpPr>
-      <p:sp>
-        <p:nvSpPr>
-          <p:cNvPr id="25602" name="Rectangle 2"/>
-          <p:cNvSpPr>
-            <a:spLocks noGrp="1" noChangeArrowheads="1"/>
-          </p:cNvSpPr>
-          <p:nvPr>
-            <p:ph type="title"/>
-          </p:nvPr>
-        </p:nvSpPr>
-        <p:spPr/>
-        <p:txBody>
-          <a:bodyPr>
-            <a:normAutofit/>
-          </a:bodyPr>
-          <a:lstStyle/>
-          <a:p>
-            <a:r>
-              <a:rPr lang="en-US" sz="2000" b="1" dirty="0" smtClean="0"/>
-              <a:t>Certified employees in prokarma</a:t>
-            </a:r>
-            <a:endParaRPr lang="en-US" sz="2000" b="1" dirty="0"/>
-          </a:p>
-        </p:txBody>
-      </p:sp>
-      <p:sp>
-        <p:nvSpPr>
-          <p:cNvPr id="25603" name="Rectangle 3"/>
-          <p:cNvSpPr>
-            <a:spLocks noGrp="1" noChangeArrowheads="1"/>
-          </p:cNvSpPr>
-          <p:nvPr>
-            <p:ph sz="quarter" idx="1"/>
-          </p:nvPr>
-        </p:nvSpPr>
-        <p:spPr>
-          <a:xfrm>
-            <a:off x="612648" y="1828800"/>
-            <a:ext cx="7693152" cy="4572000"/>
-          </a:xfrm>
-        </p:spPr>
-        <p:txBody>
-          <a:bodyPr>
-            <a:normAutofit/>
-          </a:bodyPr>
-          <a:lstStyle/>
-          <a:p>
-            <a:pPr>
-              <a:buFont typeface="Wingdings" pitchFamily="2" charset="2"/>
-              <a:buChar char="ü"/>
-            </a:pPr>
-            <a:r>
-              <a:rPr lang="en-US" sz="1800" dirty="0" smtClean="0"/>
-              <a:t>Contains all employee who have done certification in technical / project management related areas .</a:t>
-            </a:r>
-          </a:p>
-          <a:p>
-            <a:pPr>
-              <a:buFont typeface="Wingdings" pitchFamily="2" charset="2"/>
-              <a:buChar char="ü"/>
-            </a:pPr>
-            <a:r>
-              <a:rPr lang="en-US" sz="1800" dirty="0" smtClean="0"/>
-              <a:t>Make employees feel proud about their certifications </a:t>
-            </a:r>
-          </a:p>
-          <a:p>
-            <a:pPr>
-              <a:buFont typeface="Wingdings" pitchFamily="2" charset="2"/>
-              <a:buChar char="ü"/>
-            </a:pPr>
-            <a:r>
-              <a:rPr lang="en-US" sz="1800" dirty="0" smtClean="0"/>
-              <a:t>Best way to sell our technical competencies to new customers.</a:t>
-            </a:r>
-          </a:p>
-          <a:p>
-            <a:pPr>
-              <a:buFont typeface="Wingdings" pitchFamily="2" charset="2"/>
-              <a:buChar char="ü"/>
-            </a:pPr>
-            <a:endParaRPr lang="en-US" sz="1800" dirty="0" smtClean="0"/>
-          </a:p>
-          <a:p>
-            <a:pPr>
-              <a:buFont typeface="Wingdings" pitchFamily="2" charset="2"/>
-              <a:buChar char="ü"/>
-            </a:pPr>
-            <a:endParaRPr lang="en-US" sz="1800" dirty="0" smtClean="0"/>
-          </a:p>
-          <a:p>
-            <a:pPr>
-              <a:buNone/>
-            </a:pPr>
-            <a:endParaRPr lang="en-US" sz="1800" dirty="0" smtClean="0"/>
-          </a:p>
-          <a:p>
-            <a:pPr lvl="1">
-              <a:buNone/>
-            </a:pPr>
-            <a:endParaRPr lang="en-US" sz="1800" dirty="0" smtClean="0"/>
-          </a:p>
-          <a:p>
-            <a:pPr>
-              <a:buFont typeface="Wingdings" pitchFamily="2" charset="2"/>
-              <a:buChar char="ü"/>
-            </a:pPr>
-            <a:endParaRPr lang="en-US" sz="1800" dirty="0" smtClean="0"/>
-          </a:p>
-          <a:p>
-            <a:pPr>
-              <a:buNone/>
-            </a:pPr>
-            <a:endParaRPr lang="en-US" sz="1800" dirty="0" smtClean="0"/>
-          </a:p>
-        </p:txBody>
-      </p:sp>
-    </p:spTree>
-  </p:cSld>
-  <p:clrMapOvr>
-    <a:masterClrMapping/>
-  </p:clrMapOvr>
-  <p:transition spd="slow">
-    <p:wedge/>
-  </p:transition>
-  <p:timing>
-    <p:tnLst>
-      <p:par>
-        <p:cTn id="1" dur="indefinite" restart="never" nodeType="tmRoot"/>
-      </p:par>
-    </p:tnLst>
-  </p:timing>
-</p:sld>
-</file>
-
-<file path=ppt/slides/slide24.xml><?xml version="1.0" encoding="utf-8"?>
-<p:sld xmlns:a="http://schemas.openxmlformats.org/drawingml/2006/main" xmlns:r="http://schemas.openxmlformats.org/officeDocument/2006/relationships" xmlns:p="http://schemas.openxmlformats.org/presentationml/2006/main">
-  <p:cSld>
-    <p:spTree>
-      <p:nvGrpSpPr>
-        <p:cNvPr id="1" name=""/>
-        <p:cNvGrpSpPr/>
-        <p:nvPr/>
-      </p:nvGrpSpPr>
-      <p:grpSpPr>
-        <a:xfrm>
-          <a:off x="0" y="0"/>
-          <a:ext cx="0" cy="0"/>
-          <a:chOff x="0" y="0"/>
-          <a:chExt cx="0" cy="0"/>
-        </a:xfrm>
-      </p:grpSpPr>
-      <p:sp>
-        <p:nvSpPr>
-          <p:cNvPr id="25602" name="Rectangle 2"/>
-          <p:cNvSpPr>
-            <a:spLocks noGrp="1" noChangeArrowheads="1"/>
-          </p:cNvSpPr>
-          <p:nvPr>
-            <p:ph type="title"/>
-          </p:nvPr>
-        </p:nvSpPr>
-        <p:spPr/>
-        <p:txBody>
-          <a:bodyPr>
-            <a:normAutofit/>
-          </a:bodyPr>
-          <a:lstStyle/>
-          <a:p>
-            <a:r>
-              <a:rPr lang="en-US" sz="2000" b="1" dirty="0" smtClean="0"/>
-              <a:t>Selling to employees</a:t>
-            </a:r>
-            <a:endParaRPr lang="en-US" sz="2000" b="1" dirty="0"/>
-          </a:p>
-        </p:txBody>
-      </p:sp>
-      <p:sp>
-        <p:nvSpPr>
-          <p:cNvPr id="25603" name="Rectangle 3"/>
-          <p:cNvSpPr>
-            <a:spLocks noGrp="1" noChangeArrowheads="1"/>
-          </p:cNvSpPr>
-          <p:nvPr>
-            <p:ph sz="quarter" idx="1"/>
-          </p:nvPr>
-        </p:nvSpPr>
-        <p:spPr>
-          <a:xfrm>
-            <a:off x="612648" y="1828800"/>
-            <a:ext cx="7693152" cy="4572000"/>
-          </a:xfrm>
-        </p:spPr>
-        <p:txBody>
-          <a:bodyPr>
-            <a:normAutofit/>
-          </a:bodyPr>
-          <a:lstStyle/>
-          <a:p>
-            <a:pPr>
-              <a:buFont typeface="Wingdings" pitchFamily="2" charset="2"/>
-              <a:buChar char="ü"/>
-            </a:pPr>
-            <a:endParaRPr lang="en-US" sz="1800" dirty="0" smtClean="0"/>
-          </a:p>
-          <a:p>
-            <a:pPr>
-              <a:buFont typeface="Wingdings" pitchFamily="2" charset="2"/>
-              <a:buChar char="ü"/>
-            </a:pPr>
-            <a:r>
-              <a:rPr lang="en-US" sz="1800" dirty="0" smtClean="0"/>
-              <a:t>Once  we are up and ready with our learning department </a:t>
-            </a:r>
-          </a:p>
-          <a:p>
-            <a:pPr>
-              <a:buNone/>
-            </a:pPr>
-            <a:r>
-              <a:rPr lang="en-US" sz="1800" dirty="0" smtClean="0"/>
-              <a:t>      We should make a excellent presentation about </a:t>
-            </a:r>
-          </a:p>
-          <a:p>
-            <a:pPr lvl="1">
-              <a:buFont typeface="Wingdings" pitchFamily="2" charset="2"/>
-              <a:buChar char="ü"/>
-            </a:pPr>
-            <a:r>
-              <a:rPr lang="en-US" sz="1500" dirty="0" smtClean="0"/>
-              <a:t>What learning department is trying to do</a:t>
-            </a:r>
-          </a:p>
-          <a:p>
-            <a:pPr lvl="1">
-              <a:buFont typeface="Wingdings" pitchFamily="2" charset="2"/>
-              <a:buChar char="ü"/>
-            </a:pPr>
-            <a:r>
-              <a:rPr lang="en-US" sz="1500" dirty="0" smtClean="0"/>
-              <a:t>Explain , inspire and motivate employees to participate and contribute towards learning department</a:t>
-            </a:r>
-          </a:p>
-          <a:p>
-            <a:pPr lvl="1">
-              <a:buFont typeface="Wingdings" pitchFamily="2" charset="2"/>
-              <a:buChar char="ü"/>
-            </a:pPr>
-            <a:r>
-              <a:rPr lang="en-US" sz="1500" dirty="0" smtClean="0"/>
-              <a:t>Collect feedback and make necessary changes Make employees feel proud about their certifications </a:t>
-            </a:r>
-            <a:endParaRPr lang="en-US" sz="1800" dirty="0" smtClean="0"/>
-          </a:p>
-          <a:p>
-            <a:pPr>
-              <a:buFont typeface="Wingdings" pitchFamily="2" charset="2"/>
-              <a:buChar char="ü"/>
-            </a:pPr>
-            <a:endParaRPr lang="en-US" sz="1800" dirty="0" smtClean="0"/>
-          </a:p>
-          <a:p>
-            <a:pPr>
-              <a:buNone/>
-            </a:pPr>
-            <a:endParaRPr lang="en-US" sz="1800" dirty="0" smtClean="0"/>
-          </a:p>
-          <a:p>
-            <a:pPr lvl="1">
-              <a:buNone/>
-            </a:pPr>
-            <a:endParaRPr lang="en-US" sz="1800" dirty="0" smtClean="0"/>
-          </a:p>
-          <a:p>
-            <a:pPr>
-              <a:buFont typeface="Wingdings" pitchFamily="2" charset="2"/>
-              <a:buChar char="ü"/>
-            </a:pPr>
-            <a:endParaRPr lang="en-US" sz="1800" dirty="0" smtClean="0"/>
-          </a:p>
-          <a:p>
-            <a:pPr>
-              <a:buNone/>
-            </a:pPr>
-            <a:endParaRPr lang="en-US" sz="1800" dirty="0" smtClean="0"/>
-          </a:p>
-        </p:txBody>
-      </p:sp>
-    </p:spTree>
-  </p:cSld>
-  <p:clrMapOvr>
-    <a:masterClrMapping/>
-  </p:clrMapOvr>
-  <p:transition spd="slow">
-    <p:wedge/>
-  </p:transition>
-  <p:timing>
-    <p:tnLst>
-      <p:par>
-        <p:cTn id="1" dur="indefinite" restart="never" nodeType="tmRoot"/>
       </p:par>
     </p:tnLst>
   </p:timing>
@@ -11955,7 +10685,7 @@
           <a:p>
             <a:r>
               <a:rPr lang="en-US" sz="2000" b="1" dirty="0" smtClean="0"/>
-              <a:t>What video games teach us about work environment</a:t>
+              <a:t>Q12 questions</a:t>
             </a:r>
             <a:endParaRPr lang="en-US" sz="2000" b="1" dirty="0"/>
           </a:p>
@@ -11993,11 +10723,7 @@
             </a:r>
             <a:r>
               <a:rPr lang="en-US" sz="1600" dirty="0" smtClean="0"/>
-              <a:t> : </a:t>
-            </a:r>
-            <a:r>
-              <a:rPr lang="en-US" sz="1600" dirty="0" smtClean="0"/>
-              <a:t>Why few games are successful and few games are not successful ?</a:t>
+              <a:t> : Why few games are successful and few games are not successful ?</a:t>
             </a:r>
           </a:p>
           <a:p>
@@ -12057,11 +10783,7 @@
             </a:pPr>
             <a:r>
               <a:rPr lang="en-US" sz="1700" dirty="0" smtClean="0"/>
-              <a:t>We should build a similar work environment to engage </a:t>
-            </a:r>
-            <a:r>
-              <a:rPr lang="en-US" sz="1700" dirty="0" smtClean="0"/>
-              <a:t>employees</a:t>
+              <a:t>We should build a similar work environment to engage employees</a:t>
             </a:r>
             <a:endParaRPr lang="en-US" sz="2000" dirty="0" smtClean="0"/>
           </a:p>
@@ -12092,7 +10814,7 @@
               <a:buChar char="ü"/>
             </a:pPr>
             <a:r>
-              <a:rPr lang="en-US" sz="1300" dirty="0" smtClean="0"/>
+              <a:rPr lang="en-US" sz="1600" dirty="0" smtClean="0"/>
               <a:t>Feedback cycles need to implemented which are more powerful than performance reviews</a:t>
             </a:r>
           </a:p>
@@ -12102,7 +10824,7 @@
               <a:buChar char="ü"/>
             </a:pPr>
             <a:r>
-              <a:rPr lang="en-US" sz="1300" dirty="0" smtClean="0"/>
+              <a:rPr lang="en-US" sz="1600" dirty="0" smtClean="0"/>
               <a:t>Make leads more accountable and more powerful</a:t>
             </a:r>
           </a:p>
@@ -12112,14 +10834,14 @@
               <a:buChar char="ü"/>
             </a:pPr>
             <a:r>
-              <a:rPr lang="en-US" sz="1300" dirty="0" smtClean="0"/>
-              <a:t>Action items to focus on </a:t>
-            </a:r>
-            <a:r>
-              <a:rPr lang="en-US" sz="1300" smtClean="0"/>
-              <a:t>progressive difficulty</a:t>
-            </a:r>
-            <a:endParaRPr lang="en-US" sz="1300" dirty="0" smtClean="0"/>
+              <a:rPr lang="en-US" sz="1600" dirty="0" smtClean="0"/>
+              <a:t>Action items to focus on progressive </a:t>
+            </a:r>
+            <a:r>
+              <a:rPr lang="en-US" sz="1600" dirty="0" smtClean="0"/>
+              <a:t>difficulty and empowering employees</a:t>
+            </a:r>
+            <a:endParaRPr lang="en-US" sz="1600" dirty="0" smtClean="0"/>
           </a:p>
           <a:p>
             <a:pPr lvl="1">
@@ -12885,7 +11607,7 @@
           <a:p>
             <a:r>
               <a:rPr lang="en-US" sz="2000" b="1" dirty="0" smtClean="0"/>
-              <a:t>Gallup work place audit</a:t>
+              <a:t>What video games teach us about work environment</a:t>
             </a:r>
             <a:endParaRPr lang="en-US" sz="2000" b="1" dirty="0"/>
           </a:p>
@@ -12903,8 +11625,8 @@
         </p:nvSpPr>
         <p:spPr>
           <a:xfrm>
-            <a:off x="612648" y="1905000"/>
-            <a:ext cx="7693152" cy="4495800"/>
+            <a:off x="612648" y="1676400"/>
+            <a:ext cx="7693152" cy="4724400"/>
           </a:xfrm>
         </p:spPr>
         <p:txBody>
@@ -12918,8 +11640,12 @@
               <a:buChar char="ü"/>
             </a:pPr>
             <a:r>
-              <a:rPr lang="en-US" sz="2000" dirty="0" smtClean="0"/>
-              <a:t>What was discussed in my last presentation</a:t>
+              <a:rPr lang="en-US" sz="1600" b="1" u="sng" dirty="0" smtClean="0"/>
+              <a:t>Research</a:t>
+            </a:r>
+            <a:r>
+              <a:rPr lang="en-US" sz="1600" dirty="0" smtClean="0"/>
+              <a:t> : Why few games are successful and few games are not successful ?</a:t>
             </a:r>
           </a:p>
           <a:p>
@@ -12928,8 +11654,8 @@
               <a:buChar char="ü"/>
             </a:pPr>
             <a:r>
-              <a:rPr lang="en-US" sz="2000" dirty="0" smtClean="0"/>
-              <a:t>Who is engaged  employee ?</a:t>
+              <a:rPr lang="en-US" sz="1600" dirty="0" smtClean="0"/>
+              <a:t>Games that fulfill psychological needs of human being are successful</a:t>
             </a:r>
           </a:p>
           <a:p>
@@ -12938,8 +11664,38 @@
               <a:buChar char="ü"/>
             </a:pPr>
             <a:r>
-              <a:rPr lang="en-US" sz="2000" dirty="0" smtClean="0"/>
-              <a:t>Where do we get them ?</a:t>
+              <a:rPr lang="en-US" sz="1600" dirty="0" smtClean="0"/>
+              <a:t>When targets are clear with consistent feedback , immediate recognition and progressive difficulty , we can’t help but become absorbed</a:t>
+            </a:r>
+          </a:p>
+          <a:p>
+            <a:pPr lvl="2">
+              <a:buFont typeface="Wingdings" pitchFamily="2" charset="2"/>
+              <a:buChar char="ü"/>
+            </a:pPr>
+            <a:r>
+              <a:rPr lang="en-US" sz="1400" dirty="0" smtClean="0"/>
+              <a:t>Temple run</a:t>
+            </a:r>
+          </a:p>
+          <a:p>
+            <a:pPr lvl="2">
+              <a:buFont typeface="Wingdings" pitchFamily="2" charset="2"/>
+              <a:buChar char="ü"/>
+            </a:pPr>
+            <a:r>
+              <a:rPr lang="en-US" sz="1400" dirty="0" smtClean="0"/>
+              <a:t>Chess Game</a:t>
+            </a:r>
+          </a:p>
+          <a:p>
+            <a:pPr lvl="2">
+              <a:buFont typeface="Wingdings" pitchFamily="2" charset="2"/>
+              <a:buChar char="ü"/>
+            </a:pPr>
+            <a:r>
+              <a:rPr lang="en-US" sz="1400" dirty="0" smtClean="0"/>
+              <a:t>Chess Game offline</a:t>
             </a:r>
           </a:p>
           <a:p>
@@ -12948,29 +11704,10 @@
               <a:buChar char="ü"/>
             </a:pPr>
             <a:r>
-              <a:rPr lang="en-US" sz="2000" dirty="0" smtClean="0"/>
-              <a:t>RESPECT model </a:t>
-            </a:r>
-          </a:p>
-          <a:p>
-            <a:pPr lvl="1">
-              <a:buFont typeface="Wingdings" pitchFamily="2" charset="2"/>
-              <a:buChar char="ü"/>
-            </a:pPr>
-            <a:r>
-              <a:rPr lang="en-US" sz="2000" dirty="0" smtClean="0"/>
-              <a:t>Q12 Questions</a:t>
-            </a:r>
-          </a:p>
-          <a:p>
-            <a:pPr lvl="1">
-              <a:buFont typeface="Wingdings" pitchFamily="2" charset="2"/>
-              <a:buChar char="ü"/>
-            </a:pPr>
-            <a:r>
-              <a:rPr lang="en-US" sz="2000" dirty="0" smtClean="0"/>
-              <a:t>Today my presentation starts with explaining importance of those 12 questions and do a deep dive into employee engagement before I talk about action items</a:t>
-            </a:r>
+              <a:rPr lang="en-US" sz="1700" dirty="0" smtClean="0"/>
+              <a:t>We should build a similar work environment to engage employees</a:t>
+            </a:r>
+            <a:endParaRPr lang="en-US" sz="2000" dirty="0" smtClean="0"/>
           </a:p>
           <a:p>
             <a:pPr>
@@ -12984,7 +11721,63 @@
               <a:buFont typeface="Wingdings" pitchFamily="2" charset="2"/>
               <a:buChar char="ü"/>
             </a:pPr>
-            <a:endParaRPr lang="en-US" sz="2000" dirty="0"/>
+            <a:r>
+              <a:rPr lang="en-US" sz="1600" b="1" u="sng" dirty="0" smtClean="0"/>
+              <a:t>Action Items </a:t>
+            </a:r>
+            <a:r>
+              <a:rPr lang="en-US" sz="1600" dirty="0" smtClean="0"/>
+              <a:t>:</a:t>
+            </a:r>
+          </a:p>
+          <a:p>
+            <a:pPr lvl="1">
+              <a:buFont typeface="Wingdings" pitchFamily="2" charset="2"/>
+              <a:buChar char="ü"/>
+            </a:pPr>
+            <a:r>
+              <a:rPr lang="en-US" sz="1600" dirty="0" smtClean="0"/>
+              <a:t>Feedback cycles need to implemented which are more powerful than performance reviews</a:t>
+            </a:r>
+          </a:p>
+          <a:p>
+            <a:pPr lvl="1">
+              <a:buFont typeface="Wingdings" pitchFamily="2" charset="2"/>
+              <a:buChar char="ü"/>
+            </a:pPr>
+            <a:r>
+              <a:rPr lang="en-US" sz="1600" dirty="0" smtClean="0"/>
+              <a:t>Make leads more accountable and more powerful</a:t>
+            </a:r>
+          </a:p>
+          <a:p>
+            <a:pPr lvl="1">
+              <a:buFont typeface="Wingdings" pitchFamily="2" charset="2"/>
+              <a:buChar char="ü"/>
+            </a:pPr>
+            <a:r>
+              <a:rPr lang="en-US" sz="1600" dirty="0" smtClean="0"/>
+              <a:t>Action items to focus on progressive </a:t>
+            </a:r>
+            <a:r>
+              <a:rPr lang="en-US" sz="1600" dirty="0" smtClean="0"/>
+              <a:t>difficulty and empowering employees</a:t>
+            </a:r>
+            <a:endParaRPr lang="en-US" sz="1600" dirty="0" smtClean="0"/>
+          </a:p>
+          <a:p>
+            <a:pPr lvl="1">
+              <a:buFont typeface="Wingdings" pitchFamily="2" charset="2"/>
+              <a:buChar char="ü"/>
+            </a:pPr>
+            <a:endParaRPr lang="en-US" sz="1300" dirty="0" smtClean="0"/>
+          </a:p>
+          <a:p>
+            <a:pPr lvl="1">
+              <a:buFont typeface="Wingdings" pitchFamily="2" charset="2"/>
+              <a:buChar char="ü"/>
+            </a:pPr>
+            <a:endParaRPr lang="en-US" sz="1300" dirty="0"/>
           </a:p>
         </p:txBody>
       </p:sp>
@@ -13370,6 +12163,311 @@
                       </p:childTnLst>
                     </p:cTn>
                   </p:par>
+                  <p:par>
+                    <p:cTn id="33" fill="hold">
+                      <p:stCondLst>
+                        <p:cond delay="indefinite"/>
+                      </p:stCondLst>
+                      <p:childTnLst>
+                        <p:par>
+                          <p:cTn id="34" fill="hold">
+                            <p:stCondLst>
+                              <p:cond delay="0"/>
+                            </p:stCondLst>
+                            <p:childTnLst>
+                              <p:par>
+                                <p:cTn id="35" presetID="3" presetClass="entr" presetSubtype="10" fill="hold" nodeType="clickEffect">
+                                  <p:stCondLst>
+                                    <p:cond delay="0"/>
+                                  </p:stCondLst>
+                                  <p:childTnLst>
+                                    <p:set>
+                                      <p:cBhvr>
+                                        <p:cTn id="36" dur="1" fill="hold">
+                                          <p:stCondLst>
+                                            <p:cond delay="0"/>
+                                          </p:stCondLst>
+                                        </p:cTn>
+                                        <p:tgtEl>
+                                          <p:spTgt spid="4">
+                                            <p:txEl>
+                                              <p:pRg st="6" end="6"/>
+                                            </p:txEl>
+                                          </p:spTgt>
+                                        </p:tgtEl>
+                                        <p:attrNameLst>
+                                          <p:attrName>style.visibility</p:attrName>
+                                        </p:attrNameLst>
+                                      </p:cBhvr>
+                                      <p:to>
+                                        <p:strVal val="visible"/>
+                                      </p:to>
+                                    </p:set>
+                                    <p:animEffect transition="in" filter="blinds(horizontal)">
+                                      <p:cBhvr>
+                                        <p:cTn id="37" dur="500"/>
+                                        <p:tgtEl>
+                                          <p:spTgt spid="4">
+                                            <p:txEl>
+                                              <p:pRg st="6" end="6"/>
+                                            </p:txEl>
+                                          </p:spTgt>
+                                        </p:tgtEl>
+                                      </p:cBhvr>
+                                    </p:animEffect>
+                                  </p:childTnLst>
+                                </p:cTn>
+                              </p:par>
+                            </p:childTnLst>
+                          </p:cTn>
+                        </p:par>
+                      </p:childTnLst>
+                    </p:cTn>
+                  </p:par>
+                  <p:par>
+                    <p:cTn id="38" fill="hold">
+                      <p:stCondLst>
+                        <p:cond delay="indefinite"/>
+                      </p:stCondLst>
+                      <p:childTnLst>
+                        <p:par>
+                          <p:cTn id="39" fill="hold">
+                            <p:stCondLst>
+                              <p:cond delay="0"/>
+                            </p:stCondLst>
+                            <p:childTnLst>
+                              <p:par>
+                                <p:cTn id="40" presetID="3" presetClass="entr" presetSubtype="10" fill="hold" nodeType="clickEffect">
+                                  <p:stCondLst>
+                                    <p:cond delay="0"/>
+                                  </p:stCondLst>
+                                  <p:childTnLst>
+                                    <p:set>
+                                      <p:cBhvr>
+                                        <p:cTn id="41" dur="1" fill="hold">
+                                          <p:stCondLst>
+                                            <p:cond delay="0"/>
+                                          </p:stCondLst>
+                                        </p:cTn>
+                                        <p:tgtEl>
+                                          <p:spTgt spid="4">
+                                            <p:txEl>
+                                              <p:pRg st="8" end="8"/>
+                                            </p:txEl>
+                                          </p:spTgt>
+                                        </p:tgtEl>
+                                        <p:attrNameLst>
+                                          <p:attrName>style.visibility</p:attrName>
+                                        </p:attrNameLst>
+                                      </p:cBhvr>
+                                      <p:to>
+                                        <p:strVal val="visible"/>
+                                      </p:to>
+                                    </p:set>
+                                    <p:animEffect transition="in" filter="blinds(horizontal)">
+                                      <p:cBhvr>
+                                        <p:cTn id="42" dur="500"/>
+                                        <p:tgtEl>
+                                          <p:spTgt spid="4">
+                                            <p:txEl>
+                                              <p:pRg st="8" end="8"/>
+                                            </p:txEl>
+                                          </p:spTgt>
+                                        </p:tgtEl>
+                                      </p:cBhvr>
+                                    </p:animEffect>
+                                  </p:childTnLst>
+                                </p:cTn>
+                              </p:par>
+                            </p:childTnLst>
+                          </p:cTn>
+                        </p:par>
+                      </p:childTnLst>
+                    </p:cTn>
+                  </p:par>
+                  <p:par>
+                    <p:cTn id="43" fill="hold">
+                      <p:stCondLst>
+                        <p:cond delay="indefinite"/>
+                      </p:stCondLst>
+                      <p:childTnLst>
+                        <p:par>
+                          <p:cTn id="44" fill="hold">
+                            <p:stCondLst>
+                              <p:cond delay="0"/>
+                            </p:stCondLst>
+                            <p:childTnLst>
+                              <p:par>
+                                <p:cTn id="45" presetID="3" presetClass="entr" presetSubtype="10" fill="hold" nodeType="clickEffect">
+                                  <p:stCondLst>
+                                    <p:cond delay="0"/>
+                                  </p:stCondLst>
+                                  <p:childTnLst>
+                                    <p:set>
+                                      <p:cBhvr>
+                                        <p:cTn id="46" dur="1" fill="hold">
+                                          <p:stCondLst>
+                                            <p:cond delay="0"/>
+                                          </p:stCondLst>
+                                        </p:cTn>
+                                        <p:tgtEl>
+                                          <p:spTgt spid="4">
+                                            <p:txEl>
+                                              <p:pRg st="9" end="9"/>
+                                            </p:txEl>
+                                          </p:spTgt>
+                                        </p:tgtEl>
+                                        <p:attrNameLst>
+                                          <p:attrName>style.visibility</p:attrName>
+                                        </p:attrNameLst>
+                                      </p:cBhvr>
+                                      <p:to>
+                                        <p:strVal val="visible"/>
+                                      </p:to>
+                                    </p:set>
+                                    <p:animEffect transition="in" filter="blinds(horizontal)">
+                                      <p:cBhvr>
+                                        <p:cTn id="47" dur="500"/>
+                                        <p:tgtEl>
+                                          <p:spTgt spid="4">
+                                            <p:txEl>
+                                              <p:pRg st="9" end="9"/>
+                                            </p:txEl>
+                                          </p:spTgt>
+                                        </p:tgtEl>
+                                      </p:cBhvr>
+                                    </p:animEffect>
+                                  </p:childTnLst>
+                                </p:cTn>
+                              </p:par>
+                            </p:childTnLst>
+                          </p:cTn>
+                        </p:par>
+                      </p:childTnLst>
+                    </p:cTn>
+                  </p:par>
+                  <p:par>
+                    <p:cTn id="48" fill="hold">
+                      <p:stCondLst>
+                        <p:cond delay="indefinite"/>
+                      </p:stCondLst>
+                      <p:childTnLst>
+                        <p:par>
+                          <p:cTn id="49" fill="hold">
+                            <p:stCondLst>
+                              <p:cond delay="0"/>
+                            </p:stCondLst>
+                            <p:childTnLst>
+                              <p:par>
+                                <p:cTn id="50" presetID="3" presetClass="entr" presetSubtype="10" fill="hold" nodeType="clickEffect">
+                                  <p:stCondLst>
+                                    <p:cond delay="0"/>
+                                  </p:stCondLst>
+                                  <p:childTnLst>
+                                    <p:set>
+                                      <p:cBhvr>
+                                        <p:cTn id="51" dur="1" fill="hold">
+                                          <p:stCondLst>
+                                            <p:cond delay="0"/>
+                                          </p:stCondLst>
+                                        </p:cTn>
+                                        <p:tgtEl>
+                                          <p:spTgt spid="4">
+                                            <p:txEl>
+                                              <p:pRg st="10" end="10"/>
+                                            </p:txEl>
+                                          </p:spTgt>
+                                        </p:tgtEl>
+                                        <p:attrNameLst>
+                                          <p:attrName>style.visibility</p:attrName>
+                                        </p:attrNameLst>
+                                      </p:cBhvr>
+                                      <p:to>
+                                        <p:strVal val="visible"/>
+                                      </p:to>
+                                    </p:set>
+                                    <p:animEffect transition="in" filter="blinds(horizontal)">
+                                      <p:cBhvr>
+                                        <p:cTn id="52" dur="500"/>
+                                        <p:tgtEl>
+                                          <p:spTgt spid="4">
+                                            <p:txEl>
+                                              <p:pRg st="10" end="10"/>
+                                            </p:txEl>
+                                          </p:spTgt>
+                                        </p:tgtEl>
+                                      </p:cBhvr>
+                                    </p:animEffect>
+                                  </p:childTnLst>
+                                </p:cTn>
+                              </p:par>
+                            </p:childTnLst>
+                          </p:cTn>
+                        </p:par>
+                      </p:childTnLst>
+                    </p:cTn>
+                  </p:par>
+                  <p:par>
+                    <p:cTn id="53" fill="hold">
+                      <p:stCondLst>
+                        <p:cond delay="indefinite"/>
+                      </p:stCondLst>
+                      <p:childTnLst>
+                        <p:par>
+                          <p:cTn id="54" fill="hold">
+                            <p:stCondLst>
+                              <p:cond delay="0"/>
+                            </p:stCondLst>
+                            <p:childTnLst>
+                              <p:par>
+                                <p:cTn id="55" presetID="3" presetClass="entr" presetSubtype="10" fill="hold" nodeType="clickEffect">
+                                  <p:stCondLst>
+                                    <p:cond delay="0"/>
+                                  </p:stCondLst>
+                                  <p:childTnLst>
+                                    <p:set>
+                                      <p:cBhvr>
+                                        <p:cTn id="56" dur="1" fill="hold">
+                                          <p:stCondLst>
+                                            <p:cond delay="0"/>
+                                          </p:stCondLst>
+                                        </p:cTn>
+                                        <p:tgtEl>
+                                          <p:spTgt spid="4">
+                                            <p:txEl>
+                                              <p:pRg st="11" end="11"/>
+                                            </p:txEl>
+                                          </p:spTgt>
+                                        </p:tgtEl>
+                                        <p:attrNameLst>
+                                          <p:attrName>style.visibility</p:attrName>
+                                        </p:attrNameLst>
+                                      </p:cBhvr>
+                                      <p:to>
+                                        <p:strVal val="visible"/>
+                                      </p:to>
+                                    </p:set>
+                                    <p:animEffect transition="in" filter="blinds(horizontal)">
+                                      <p:cBhvr>
+                                        <p:cTn id="57" dur="500"/>
+                                        <p:tgtEl>
+                                          <p:spTgt spid="4">
+                                            <p:txEl>
+                                              <p:pRg st="11" end="11"/>
+                                            </p:txEl>
+                                          </p:spTgt>
+                                        </p:tgtEl>
+                                      </p:cBhvr>
+                                    </p:animEffect>
+                                  </p:childTnLst>
+                                </p:cTn>
+                              </p:par>
+                            </p:childTnLst>
+                          </p:cTn>
+                        </p:par>
+                      </p:childTnLst>
+                    </p:cTn>
+                  </p:par>
                 </p:childTnLst>
               </p:cTn>
               <p:prevCondLst>
@@ -13431,7 +12529,7 @@
           <a:p>
             <a:r>
               <a:rPr lang="en-US" sz="2000" b="1" dirty="0" smtClean="0"/>
-              <a:t>Gallup work place audit</a:t>
+              <a:t>Create a happy work environment</a:t>
             </a:r>
             <a:endParaRPr lang="en-US" sz="2000" b="1" dirty="0"/>
           </a:p>
@@ -13449,8 +12547,8 @@
         </p:nvSpPr>
         <p:spPr>
           <a:xfrm>
-            <a:off x="612648" y="1905000"/>
-            <a:ext cx="7693152" cy="4495800"/>
+            <a:off x="609600" y="1676400"/>
+            <a:ext cx="7693152" cy="4953000"/>
           </a:xfrm>
         </p:spPr>
         <p:txBody>
@@ -13465,7 +12563,11 @@
             </a:pPr>
             <a:r>
               <a:rPr lang="en-US" sz="2000" dirty="0" smtClean="0"/>
-              <a:t>What was discussed in my last presentation</a:t>
+              <a:t>What </a:t>
+            </a:r>
+            <a:r>
+              <a:rPr lang="en-US" sz="2000" dirty="0" smtClean="0"/>
+              <a:t>is happiness and where do we find it ?</a:t>
             </a:r>
           </a:p>
           <a:p>
@@ -13474,8 +12576,8 @@
               <a:buChar char="ü"/>
             </a:pPr>
             <a:r>
-              <a:rPr lang="en-US" sz="2000" dirty="0" smtClean="0"/>
-              <a:t>Who is engaged  employee ?</a:t>
+              <a:rPr lang="en-US" sz="1700" dirty="0" smtClean="0"/>
+              <a:t>How much should I earn to live a happy life ?</a:t>
             </a:r>
           </a:p>
           <a:p>
@@ -13484,8 +12586,8 @@
               <a:buChar char="ü"/>
             </a:pPr>
             <a:r>
-              <a:rPr lang="en-US" sz="2000" dirty="0" smtClean="0"/>
-              <a:t>Where do we get them ?</a:t>
+              <a:rPr lang="en-US" sz="1700" dirty="0" smtClean="0"/>
+              <a:t>How many cars do I require to live a happy life ?</a:t>
             </a:r>
           </a:p>
           <a:p>
@@ -13494,8 +12596,8 @@
               <a:buChar char="ü"/>
             </a:pPr>
             <a:r>
-              <a:rPr lang="en-US" sz="2000" dirty="0" smtClean="0"/>
-              <a:t>RESPECT model </a:t>
+              <a:rPr lang="en-US" sz="1700" dirty="0" smtClean="0"/>
+              <a:t>How many girl friends should I have to live a happy life ?</a:t>
             </a:r>
           </a:p>
           <a:p>
@@ -13504,9 +12606,29 @@
               <a:buChar char="ü"/>
             </a:pPr>
             <a:r>
+              <a:rPr lang="en-US" sz="1700" dirty="0" smtClean="0"/>
+              <a:t>How much should I earn to live a happy life </a:t>
+            </a:r>
+            <a:r>
+              <a:rPr lang="en-US" sz="1700" dirty="0" smtClean="0"/>
+              <a:t>?</a:t>
+            </a:r>
+            <a:endParaRPr lang="en-US" sz="1700" dirty="0" smtClean="0"/>
+          </a:p>
+          <a:p>
+            <a:pPr>
+              <a:buFont typeface="Wingdings" pitchFamily="2" charset="2"/>
+              <a:buChar char="ü"/>
+            </a:pPr>
+            <a:r>
               <a:rPr lang="en-US" sz="2000" dirty="0" smtClean="0"/>
-              <a:t>Q12 Questions</a:t>
-            </a:r>
+              <a:t>What is </a:t>
+            </a:r>
+            <a:r>
+              <a:rPr lang="en-US" sz="2000" dirty="0" smtClean="0"/>
+              <a:t>the secret and science behind happiness ?</a:t>
+            </a:r>
+            <a:endParaRPr lang="en-US" sz="1700" dirty="0" smtClean="0"/>
           </a:p>
           <a:p>
             <a:pPr lvl="1">
@@ -13514,9 +12636,37 @@
               <a:buChar char="ü"/>
             </a:pPr>
             <a:r>
-              <a:rPr lang="en-US" sz="2000" dirty="0" smtClean="0"/>
-              <a:t>Today my presentation starts with explaining importance of those 12 questions and do a deep dive into employee engagement before I talk about action items</a:t>
-            </a:r>
+              <a:rPr lang="en-US" sz="1700" dirty="0" smtClean="0"/>
+              <a:t>You must have experienced happiness lot of times but that would not last long – getting promotion , getting hike , received award as top performer , new child is born , brought new home , brought new car …..etc . All these things last only for few days or hours </a:t>
+            </a:r>
+          </a:p>
+          <a:p>
+            <a:pPr lvl="1">
+              <a:buFont typeface="Wingdings" pitchFamily="2" charset="2"/>
+              <a:buChar char="ü"/>
+            </a:pPr>
+            <a:r>
+              <a:rPr lang="en-US" sz="1700" dirty="0" smtClean="0"/>
+              <a:t>If your mind is filled with positive vibes like – love , peace , positive mind , positive thoughts …so on you will b happy</a:t>
+            </a:r>
+          </a:p>
+          <a:p>
+            <a:pPr lvl="1">
+              <a:buFont typeface="Wingdings" pitchFamily="2" charset="2"/>
+              <a:buChar char="ü"/>
+            </a:pPr>
+            <a:r>
+              <a:rPr lang="en-US" sz="1700" dirty="0" smtClean="0"/>
+              <a:t>If your mind is filled with negative thoughts like – hatred , Jealous , believes in win-lose  you will be unhappy</a:t>
+            </a:r>
+            <a:endParaRPr lang="en-US" sz="2000" dirty="0" smtClean="0"/>
+          </a:p>
+          <a:p>
+            <a:pPr lvl="1">
+              <a:buFont typeface="Wingdings" pitchFamily="2" charset="2"/>
+              <a:buChar char="ü"/>
+            </a:pPr>
+            <a:endParaRPr lang="en-US" sz="2000" dirty="0" smtClean="0"/>
           </a:p>
           <a:p>
             <a:pPr>
@@ -13916,6 +13066,189 @@
                       </p:childTnLst>
                     </p:cTn>
                   </p:par>
+                  <p:par>
+                    <p:cTn id="33" fill="hold">
+                      <p:stCondLst>
+                        <p:cond delay="indefinite"/>
+                      </p:stCondLst>
+                      <p:childTnLst>
+                        <p:par>
+                          <p:cTn id="34" fill="hold">
+                            <p:stCondLst>
+                              <p:cond delay="0"/>
+                            </p:stCondLst>
+                            <p:childTnLst>
+                              <p:par>
+                                <p:cTn id="35" presetID="3" presetClass="entr" presetSubtype="10" fill="hold" nodeType="clickEffect">
+                                  <p:stCondLst>
+                                    <p:cond delay="0"/>
+                                  </p:stCondLst>
+                                  <p:childTnLst>
+                                    <p:set>
+                                      <p:cBhvr>
+                                        <p:cTn id="36" dur="1" fill="hold">
+                                          <p:stCondLst>
+                                            <p:cond delay="0"/>
+                                          </p:stCondLst>
+                                        </p:cTn>
+                                        <p:tgtEl>
+                                          <p:spTgt spid="4">
+                                            <p:txEl>
+                                              <p:pRg st="6" end="6"/>
+                                            </p:txEl>
+                                          </p:spTgt>
+                                        </p:tgtEl>
+                                        <p:attrNameLst>
+                                          <p:attrName>style.visibility</p:attrName>
+                                        </p:attrNameLst>
+                                      </p:cBhvr>
+                                      <p:to>
+                                        <p:strVal val="visible"/>
+                                      </p:to>
+                                    </p:set>
+                                    <p:animEffect transition="in" filter="blinds(horizontal)">
+                                      <p:cBhvr>
+                                        <p:cTn id="37" dur="500"/>
+                                        <p:tgtEl>
+                                          <p:spTgt spid="4">
+                                            <p:txEl>
+                                              <p:pRg st="6" end="6"/>
+                                            </p:txEl>
+                                          </p:spTgt>
+                                        </p:tgtEl>
+                                      </p:cBhvr>
+                                    </p:animEffect>
+                                  </p:childTnLst>
+                                </p:cTn>
+                              </p:par>
+                            </p:childTnLst>
+                          </p:cTn>
+                        </p:par>
+                      </p:childTnLst>
+                    </p:cTn>
+                  </p:par>
+                  <p:par>
+                    <p:cTn id="38" fill="hold">
+                      <p:stCondLst>
+                        <p:cond delay="indefinite"/>
+                      </p:stCondLst>
+                      <p:childTnLst>
+                        <p:par>
+                          <p:cTn id="39" fill="hold">
+                            <p:stCondLst>
+                              <p:cond delay="0"/>
+                            </p:stCondLst>
+                            <p:childTnLst>
+                              <p:par>
+                                <p:cTn id="40" presetID="3" presetClass="entr" presetSubtype="10" fill="hold" nodeType="clickEffect">
+                                  <p:stCondLst>
+                                    <p:cond delay="0"/>
+                                  </p:stCondLst>
+                                  <p:childTnLst>
+                                    <p:set>
+                                      <p:cBhvr>
+                                        <p:cTn id="41" dur="1" fill="hold">
+                                          <p:stCondLst>
+                                            <p:cond delay="0"/>
+                                          </p:stCondLst>
+                                        </p:cTn>
+                                        <p:tgtEl>
+                                          <p:spTgt spid="4">
+                                            <p:txEl>
+                                              <p:pRg st="7" end="7"/>
+                                            </p:txEl>
+                                          </p:spTgt>
+                                        </p:tgtEl>
+                                        <p:attrNameLst>
+                                          <p:attrName>style.visibility</p:attrName>
+                                        </p:attrNameLst>
+                                      </p:cBhvr>
+                                      <p:to>
+                                        <p:strVal val="visible"/>
+                                      </p:to>
+                                    </p:set>
+                                    <p:animEffect transition="in" filter="blinds(horizontal)">
+                                      <p:cBhvr>
+                                        <p:cTn id="42" dur="500"/>
+                                        <p:tgtEl>
+                                          <p:spTgt spid="4">
+                                            <p:txEl>
+                                              <p:pRg st="7" end="7"/>
+                                            </p:txEl>
+                                          </p:spTgt>
+                                        </p:tgtEl>
+                                      </p:cBhvr>
+                                    </p:animEffect>
+                                  </p:childTnLst>
+                                </p:cTn>
+                              </p:par>
+                            </p:childTnLst>
+                          </p:cTn>
+                        </p:par>
+                      </p:childTnLst>
+                    </p:cTn>
+                  </p:par>
+                  <p:par>
+                    <p:cTn id="43" fill="hold">
+                      <p:stCondLst>
+                        <p:cond delay="indefinite"/>
+                      </p:stCondLst>
+                      <p:childTnLst>
+                        <p:par>
+                          <p:cTn id="44" fill="hold">
+                            <p:stCondLst>
+                              <p:cond delay="0"/>
+                            </p:stCondLst>
+                            <p:childTnLst>
+                              <p:par>
+                                <p:cTn id="45" presetID="3" presetClass="entr" presetSubtype="10" fill="hold" nodeType="clickEffect">
+                                  <p:stCondLst>
+                                    <p:cond delay="0"/>
+                                  </p:stCondLst>
+                                  <p:childTnLst>
+                                    <p:set>
+                                      <p:cBhvr>
+                                        <p:cTn id="46" dur="1" fill="hold">
+                                          <p:stCondLst>
+                                            <p:cond delay="0"/>
+                                          </p:stCondLst>
+                                        </p:cTn>
+                                        <p:tgtEl>
+                                          <p:spTgt spid="4">
+                                            <p:txEl>
+                                              <p:pRg st="8" end="8"/>
+                                            </p:txEl>
+                                          </p:spTgt>
+                                        </p:tgtEl>
+                                        <p:attrNameLst>
+                                          <p:attrName>style.visibility</p:attrName>
+                                        </p:attrNameLst>
+                                      </p:cBhvr>
+                                      <p:to>
+                                        <p:strVal val="visible"/>
+                                      </p:to>
+                                    </p:set>
+                                    <p:animEffect transition="in" filter="blinds(horizontal)">
+                                      <p:cBhvr>
+                                        <p:cTn id="47" dur="500"/>
+                                        <p:tgtEl>
+                                          <p:spTgt spid="4">
+                                            <p:txEl>
+                                              <p:pRg st="8" end="8"/>
+                                            </p:txEl>
+                                          </p:spTgt>
+                                        </p:tgtEl>
+                                      </p:cBhvr>
+                                    </p:animEffect>
+                                  </p:childTnLst>
+                                </p:cTn>
+                              </p:par>
+                            </p:childTnLst>
+                          </p:cTn>
+                        </p:par>
+                      </p:childTnLst>
+                    </p:cTn>
+                  </p:par>
                 </p:childTnLst>
               </p:cTn>
               <p:prevCondLst>
@@ -13977,7 +13310,7 @@
           <a:p>
             <a:r>
               <a:rPr lang="en-US" sz="2000" b="1" dirty="0" smtClean="0"/>
-              <a:t>What was discussed</a:t>
+              <a:t>Create a happy work environment</a:t>
             </a:r>
             <a:endParaRPr lang="en-US" sz="2000" b="1" dirty="0"/>
           </a:p>
@@ -14010,9 +13343,18 @@
               <a:buChar char="ü"/>
             </a:pPr>
             <a:r>
-              <a:rPr lang="en-US" sz="1800" dirty="0" smtClean="0"/>
-              <a:t>What was discussed in my last presentation</a:t>
-            </a:r>
+              <a:rPr lang="en-US" sz="2000" b="1" u="sng" dirty="0" smtClean="0"/>
+              <a:t>Research</a:t>
+            </a:r>
+            <a:r>
+              <a:rPr lang="en-US" sz="2000" dirty="0" smtClean="0"/>
+              <a:t> </a:t>
+            </a:r>
+            <a:r>
+              <a:rPr lang="en-US" sz="2000" dirty="0" smtClean="0"/>
+              <a:t>: In a work environment we cannot make him happy for ever . We can only create pulses of happiness . </a:t>
+            </a:r>
+            <a:endParaRPr lang="en-US" sz="1700" dirty="0" smtClean="0"/>
           </a:p>
           <a:p>
             <a:pPr lvl="1">
@@ -14021,7 +13363,7 @@
             </a:pPr>
             <a:r>
               <a:rPr lang="en-US" sz="1800" dirty="0" smtClean="0"/>
-              <a:t>Who is engaged  employee ?</a:t>
+              <a:t>There are four rules – Frequency , Variety , Unexpected , Experiences</a:t>
             </a:r>
           </a:p>
           <a:p>
@@ -14031,7 +13373,37 @@
             </a:pPr>
             <a:r>
               <a:rPr lang="en-US" sz="1800" dirty="0" smtClean="0"/>
-              <a:t>Where do we get them ?</a:t>
+              <a:t>Look at our facilities and evaluate against four rules  – Chairs , Transportation , Cafeteria , Conference rooms , Cubicles (Cabinet) , </a:t>
+            </a:r>
+            <a:r>
+              <a:rPr lang="en-US" sz="1800" dirty="0" smtClean="0"/>
+              <a:t>A</a:t>
+            </a:r>
+            <a:r>
+              <a:rPr lang="en-US" sz="1800" dirty="0" smtClean="0"/>
+              <a:t>nnual gifts , Biscuits , Friday events , Surprise movies , Games rooms, Team lunches</a:t>
+            </a:r>
+            <a:endParaRPr lang="en-US" sz="1800" dirty="0" smtClean="0"/>
+          </a:p>
+          <a:p>
+            <a:pPr>
+              <a:buFont typeface="Wingdings" pitchFamily="2" charset="2"/>
+              <a:buChar char="ü"/>
+            </a:pPr>
+            <a:endParaRPr lang="en-US" sz="2000" dirty="0"/>
+          </a:p>
+          <a:p>
+            <a:pPr>
+              <a:buFont typeface="Wingdings" pitchFamily="2" charset="2"/>
+              <a:buChar char="ü"/>
+            </a:pPr>
+            <a:r>
+              <a:rPr lang="en-US" sz="2000" b="1" u="sng" dirty="0" smtClean="0"/>
+              <a:t>Action Items </a:t>
+            </a:r>
+            <a:r>
+              <a:rPr lang="en-US" sz="2000" dirty="0" smtClean="0"/>
+              <a:t>:</a:t>
             </a:r>
           </a:p>
           <a:p>
@@ -14041,42 +13413,16 @@
             </a:pPr>
             <a:r>
               <a:rPr lang="en-US" sz="1800" dirty="0" smtClean="0"/>
-              <a:t>RESPECT model </a:t>
-            </a:r>
-          </a:p>
-          <a:p>
-            <a:pPr lvl="1">
-              <a:buFont typeface="Wingdings" pitchFamily="2" charset="2"/>
-              <a:buChar char="ü"/>
-            </a:pPr>
-            <a:r>
-              <a:rPr lang="en-US" sz="1800" dirty="0" smtClean="0"/>
-              <a:t>Q12 Questions</a:t>
-            </a:r>
-          </a:p>
-          <a:p>
-            <a:pPr lvl="1">
-              <a:buFont typeface="Wingdings" pitchFamily="2" charset="2"/>
-              <a:buChar char="ü"/>
-            </a:pPr>
-            <a:r>
-              <a:rPr lang="en-US" sz="1800" dirty="0" smtClean="0"/>
-              <a:t>Today my presentation starts with explaining importance of those 12 questions and do a deep dive into employee engagement before I talk about action items</a:t>
-            </a:r>
+              <a:t>Transportation , Chairs , Work stations , Cafeteria and Conference Rooms are must.</a:t>
+            </a:r>
+            <a:endParaRPr lang="en-US" sz="1800" dirty="0" smtClean="0"/>
           </a:p>
           <a:p>
             <a:pPr>
               <a:buFont typeface="Wingdings" pitchFamily="2" charset="2"/>
               <a:buChar char="ü"/>
             </a:pPr>
-            <a:endParaRPr lang="en-US" sz="1800" dirty="0"/>
-          </a:p>
-          <a:p>
-            <a:pPr>
-              <a:buFont typeface="Wingdings" pitchFamily="2" charset="2"/>
-              <a:buChar char="ü"/>
-            </a:pPr>
-            <a:endParaRPr lang="en-US" sz="1800" dirty="0"/>
+            <a:endParaRPr lang="en-US" sz="2000" dirty="0"/>
           </a:p>
         </p:txBody>
       </p:sp>
@@ -14307,7 +13653,7 @@
                                         <p:tgtEl>
                                           <p:spTgt spid="4">
                                             <p:txEl>
-                                              <p:pRg st="3" end="3"/>
+                                              <p:pRg st="4" end="4"/>
                                             </p:txEl>
                                           </p:spTgt>
                                         </p:tgtEl>
@@ -14325,7 +13671,7 @@
                                         <p:tgtEl>
                                           <p:spTgt spid="4">
                                             <p:txEl>
-                                              <p:pRg st="3" end="3"/>
+                                              <p:pRg st="4" end="4"/>
                                             </p:txEl>
                                           </p:spTgt>
                                         </p:tgtEl>
@@ -14368,7 +13714,7 @@
                                         <p:tgtEl>
                                           <p:spTgt spid="4">
                                             <p:txEl>
-                                              <p:pRg st="4" end="4"/>
+                                              <p:pRg st="5" end="5"/>
                                             </p:txEl>
                                           </p:spTgt>
                                         </p:tgtEl>
@@ -14383,67 +13729,6 @@
                                     <p:animEffect transition="in" filter="blinds(horizontal)">
                                       <p:cBhvr>
                                         <p:cTn id="27" dur="500"/>
-                                        <p:tgtEl>
-                                          <p:spTgt spid="4">
-                                            <p:txEl>
-                                              <p:pRg st="4" end="4"/>
-                                            </p:txEl>
-                                          </p:spTgt>
-                                        </p:tgtEl>
-                                      </p:cBhvr>
-                                    </p:animEffect>
-                                  </p:childTnLst>
-                                </p:cTn>
-                              </p:par>
-                            </p:childTnLst>
-                          </p:cTn>
-                        </p:par>
-                      </p:childTnLst>
-                    </p:cTn>
-                  </p:par>
-                  <p:par>
-                    <p:cTn id="28" fill="hold">
-                      <p:stCondLst>
-                        <p:cond delay="indefinite"/>
-                      </p:stCondLst>
-                      <p:childTnLst>
-                        <p:par>
-                          <p:cTn id="29" fill="hold">
-                            <p:stCondLst>
-                              <p:cond delay="0"/>
-                            </p:stCondLst>
-                            <p:childTnLst>
-                              <p:par>
-                                <p:cTn id="30" presetID="3" presetClass="entr" presetSubtype="10" fill="hold" nodeType="clickEffect">
-                                  <p:stCondLst>
-                                    <p:cond delay="0"/>
-                                  </p:stCondLst>
-                                  <p:childTnLst>
-                                    <p:set>
-                                      <p:cBhvr>
-                                        <p:cTn id="31" dur="1" fill="hold">
-                                          <p:stCondLst>
-                                            <p:cond delay="0"/>
-                                          </p:stCondLst>
-                                        </p:cTn>
-                                        <p:tgtEl>
-                                          <p:spTgt spid="4">
-                                            <p:txEl>
-                                              <p:pRg st="5" end="5"/>
-                                            </p:txEl>
-                                          </p:spTgt>
-                                        </p:tgtEl>
-                                        <p:attrNameLst>
-                                          <p:attrName>style.visibility</p:attrName>
-                                        </p:attrNameLst>
-                                      </p:cBhvr>
-                                      <p:to>
-                                        <p:strVal val="visible"/>
-                                      </p:to>
-                                    </p:set>
-                                    <p:animEffect transition="in" filter="blinds(horizontal)">
-                                      <p:cBhvr>
-                                        <p:cTn id="32" dur="500"/>
                                         <p:tgtEl>
                                           <p:spTgt spid="4">
                                             <p:txEl>
@@ -15263,12 +14548,9 @@
 </file>
 
 <file path=customXml/item1.xml><?xml version="1.0" encoding="utf-8"?>
-<?mso-contentType ?>
-<FormTemplates xmlns="http://schemas.microsoft.com/sharepoint/v3/contenttype/forms">
-  <Display>DocumentLibraryForm</Display>
-  <Edit>DocumentLibraryForm</Edit>
-  <New>DocumentLibraryForm</New>
-</FormTemplates>
+<p:properties xmlns:p="http://schemas.microsoft.com/office/2006/metadata/properties" xmlns:xsi="http://www.w3.org/2001/XMLSchema-instance" xmlns:pc="http://schemas.microsoft.com/office/infopath/2007/PartnerControls">
+  <documentManagement/>
+</p:properties>
 </file>
 
 <file path=customXml/item2.xml><?xml version="1.0" encoding="utf-8"?>
@@ -15412,15 +14694,19 @@
 </file>
 
 <file path=customXml/item3.xml><?xml version="1.0" encoding="utf-8"?>
-<p:properties xmlns:p="http://schemas.microsoft.com/office/2006/metadata/properties" xmlns:xsi="http://www.w3.org/2001/XMLSchema-instance" xmlns:pc="http://schemas.microsoft.com/office/infopath/2007/PartnerControls">
-  <documentManagement/>
-</p:properties>
+<?mso-contentType ?>
+<FormTemplates xmlns="http://schemas.microsoft.com/sharepoint/v3/contenttype/forms">
+  <Display>DocumentLibraryForm</Display>
+  <Edit>DocumentLibraryForm</Edit>
+  <New>DocumentLibraryForm</New>
+</FormTemplates>
 </file>
 
 <file path=customXml/itemProps1.xml><?xml version="1.0" encoding="utf-8"?>
-<ds:datastoreItem xmlns:ds="http://schemas.openxmlformats.org/officeDocument/2006/customXml" ds:itemID="{F7CCFA03-50CA-476E-8B8B-49D774F043AB}">
+<ds:datastoreItem xmlns:ds="http://schemas.openxmlformats.org/officeDocument/2006/customXml" ds:itemID="{1DA5CB71-27A8-4F27-B3EF-0B7C3FFAE0B8}">
   <ds:schemaRefs>
-    <ds:schemaRef ds:uri="http://schemas.microsoft.com/sharepoint/v3/contenttype/forms"/>
+    <ds:schemaRef ds:uri="http://schemas.microsoft.com/office/2006/metadata/properties"/>
+    <ds:schemaRef ds:uri="http://schemas.microsoft.com/office/infopath/2007/PartnerControls"/>
   </ds:schemaRefs>
 </ds:datastoreItem>
 </file>
@@ -15444,10 +14730,9 @@
 </file>
 
 <file path=customXml/itemProps3.xml><?xml version="1.0" encoding="utf-8"?>
-<ds:datastoreItem xmlns:ds="http://schemas.openxmlformats.org/officeDocument/2006/customXml" ds:itemID="{1DA5CB71-27A8-4F27-B3EF-0B7C3FFAE0B8}">
+<ds:datastoreItem xmlns:ds="http://schemas.openxmlformats.org/officeDocument/2006/customXml" ds:itemID="{F7CCFA03-50CA-476E-8B8B-49D774F043AB}">
   <ds:schemaRefs>
-    <ds:schemaRef ds:uri="http://schemas.microsoft.com/office/2006/metadata/properties"/>
-    <ds:schemaRef ds:uri="http://schemas.microsoft.com/office/infopath/2007/PartnerControls"/>
+    <ds:schemaRef ds:uri="http://schemas.microsoft.com/sharepoint/v3/contenttype/forms"/>
   </ds:schemaRefs>
 </ds:datastoreItem>
 </file>
--- a/Prokarma/Magnetic Work Environment.pptx
+++ b/Prokarma/Magnetic Work Environment.pptx
@@ -7725,11 +7725,7 @@
           <a:p>
             <a:r>
               <a:rPr lang="en-US" sz="2000" b="1" dirty="0" smtClean="0"/>
-              <a:t>C</a:t>
-            </a:r>
-            <a:r>
-              <a:rPr lang="en-US" sz="2000" b="1" dirty="0" smtClean="0"/>
-              <a:t>reate scope for intelligent failures</a:t>
+              <a:t>Create scope for intelligent failures</a:t>
             </a:r>
             <a:endParaRPr lang="en-US" sz="2000" b="1" dirty="0"/>
           </a:p>
@@ -7767,13 +7763,8 @@
             </a:r>
             <a:r>
               <a:rPr lang="en-US" sz="1800" dirty="0" smtClean="0"/>
-              <a:t> : Humans </a:t>
-            </a:r>
-            <a:r>
-              <a:rPr lang="en-US" sz="1800" dirty="0" smtClean="0"/>
-              <a:t>succeed after couple of intelligent failures</a:t>
-            </a:r>
-            <a:endParaRPr lang="en-US" sz="1800" dirty="0" smtClean="0"/>
+              <a:t> : Humans succeed after couple of intelligent failures</a:t>
+            </a:r>
           </a:p>
           <a:p>
             <a:pPr lvl="1">
@@ -7784,7 +7775,6 @@
               <a:rPr lang="en-US" sz="1800" dirty="0" smtClean="0"/>
               <a:t>History behind netcontrol</a:t>
             </a:r>
-            <a:endParaRPr lang="en-US" sz="1800" dirty="0" smtClean="0"/>
           </a:p>
           <a:p>
             <a:pPr lvl="1">
@@ -7846,7 +7836,6 @@
               <a:rPr lang="en-US" sz="1800" dirty="0" smtClean="0"/>
               <a:t>Understand intelligent failures and be careful while doing performance reviews</a:t>
             </a:r>
-            <a:endParaRPr lang="en-US" sz="1800" dirty="0" smtClean="0"/>
           </a:p>
           <a:p>
             <a:pPr lvl="1">
@@ -8427,7 +8416,6 @@
               <a:rPr lang="en-US" sz="1800" dirty="0" smtClean="0"/>
               <a:t>Understand limits of body and mind</a:t>
             </a:r>
-            <a:endParaRPr lang="en-US" sz="1800" dirty="0" smtClean="0"/>
           </a:p>
           <a:p>
             <a:pPr lvl="1">
@@ -10835,13 +10823,8 @@
             </a:pPr>
             <a:r>
               <a:rPr lang="en-US" sz="1600" dirty="0" smtClean="0"/>
-              <a:t>Action items to focus on progressive </a:t>
-            </a:r>
-            <a:r>
-              <a:rPr lang="en-US" sz="1600" dirty="0" smtClean="0"/>
-              <a:t>difficulty and empowering employees</a:t>
-            </a:r>
-            <a:endParaRPr lang="en-US" sz="1600" dirty="0" smtClean="0"/>
+              <a:t>Action items to focus on progressive difficulty and empowering employees</a:t>
+            </a:r>
           </a:p>
           <a:p>
             <a:pPr lvl="1">
@@ -11757,13 +11740,8 @@
             </a:pPr>
             <a:r>
               <a:rPr lang="en-US" sz="1600" dirty="0" smtClean="0"/>
-              <a:t>Action items to focus on progressive </a:t>
-            </a:r>
-            <a:r>
-              <a:rPr lang="en-US" sz="1600" dirty="0" smtClean="0"/>
-              <a:t>difficulty and empowering employees</a:t>
-            </a:r>
-            <a:endParaRPr lang="en-US" sz="1600" dirty="0" smtClean="0"/>
+              <a:t>Action items to focus on progressive difficulty and empowering employees</a:t>
+            </a:r>
           </a:p>
           <a:p>
             <a:pPr lvl="1">
@@ -12563,11 +12541,7 @@
             </a:pPr>
             <a:r>
               <a:rPr lang="en-US" sz="2000" dirty="0" smtClean="0"/>
-              <a:t>What </a:t>
-            </a:r>
-            <a:r>
-              <a:rPr lang="en-US" sz="2000" dirty="0" smtClean="0"/>
-              <a:t>is happiness and where do we find it ?</a:t>
+              <a:t>What is happiness and where do we find it ?</a:t>
             </a:r>
           </a:p>
           <a:p>
@@ -12607,13 +12581,8 @@
             </a:pPr>
             <a:r>
               <a:rPr lang="en-US" sz="1700" dirty="0" smtClean="0"/>
-              <a:t>How much should I earn to live a happy life </a:t>
-            </a:r>
-            <a:r>
-              <a:rPr lang="en-US" sz="1700" dirty="0" smtClean="0"/>
-              <a:t>?</a:t>
-            </a:r>
-            <a:endParaRPr lang="en-US" sz="1700" dirty="0" smtClean="0"/>
+              <a:t>How much should I earn to live a happy life ?</a:t>
+            </a:r>
           </a:p>
           <a:p>
             <a:pPr>
@@ -12622,11 +12591,7 @@
             </a:pPr>
             <a:r>
               <a:rPr lang="en-US" sz="2000" dirty="0" smtClean="0"/>
-              <a:t>What is </a:t>
-            </a:r>
-            <a:r>
-              <a:rPr lang="en-US" sz="2000" dirty="0" smtClean="0"/>
-              <a:t>the secret and science behind happiness ?</a:t>
+              <a:t>What is the secret and science behind happiness ?</a:t>
             </a:r>
             <a:endParaRPr lang="en-US" sz="1700" dirty="0" smtClean="0"/>
           </a:p>
@@ -13348,11 +13313,7 @@
             </a:r>
             <a:r>
               <a:rPr lang="en-US" sz="2000" dirty="0" smtClean="0"/>
-              <a:t> </a:t>
-            </a:r>
-            <a:r>
-              <a:rPr lang="en-US" sz="2000" dirty="0" smtClean="0"/>
-              <a:t>: In a work environment we cannot make him happy for ever . We can only create pulses of happiness . </a:t>
+              <a:t> : In a work environment we cannot make him happy for ever . We can only create pulses of happiness . </a:t>
             </a:r>
             <a:endParaRPr lang="en-US" sz="1700" dirty="0" smtClean="0"/>
           </a:p>
@@ -13373,17 +13334,8 @@
             </a:pPr>
             <a:r>
               <a:rPr lang="en-US" sz="1800" dirty="0" smtClean="0"/>
-              <a:t>Look at our facilities and evaluate against four rules  – Chairs , Transportation , Cafeteria , Conference rooms , Cubicles (Cabinet) , </a:t>
-            </a:r>
-            <a:r>
-              <a:rPr lang="en-US" sz="1800" dirty="0" smtClean="0"/>
-              <a:t>A</a:t>
-            </a:r>
-            <a:r>
-              <a:rPr lang="en-US" sz="1800" dirty="0" smtClean="0"/>
-              <a:t>nnual gifts , Biscuits , Friday events , Surprise movies , Games rooms, Team lunches</a:t>
-            </a:r>
-            <a:endParaRPr lang="en-US" sz="1800" dirty="0" smtClean="0"/>
+              <a:t>Look at our facilities and evaluate against four rules  – Chairs , Transportation , Cafeteria , Conference rooms , Cubicles (Cabinet) , Annual gifts , Biscuits , Friday events , Surprise movies , Games rooms, Team lunches</a:t>
+            </a:r>
           </a:p>
           <a:p>
             <a:pPr>
@@ -13415,7 +13367,6 @@
               <a:rPr lang="en-US" sz="1800" dirty="0" smtClean="0"/>
               <a:t>Transportation , Chairs , Work stations , Cafeteria and Conference Rooms are must.</a:t>
             </a:r>
-            <a:endParaRPr lang="en-US" sz="1800" dirty="0" smtClean="0"/>
           </a:p>
           <a:p>
             <a:pPr>
@@ -14548,9 +14499,12 @@
 </file>
 
 <file path=customXml/item1.xml><?xml version="1.0" encoding="utf-8"?>
-<p:properties xmlns:p="http://schemas.microsoft.com/office/2006/metadata/properties" xmlns:xsi="http://www.w3.org/2001/XMLSchema-instance" xmlns:pc="http://schemas.microsoft.com/office/infopath/2007/PartnerControls">
-  <documentManagement/>
-</p:properties>
+<?mso-contentType ?>
+<FormTemplates xmlns="http://schemas.microsoft.com/sharepoint/v3/contenttype/forms">
+  <Display>DocumentLibraryForm</Display>
+  <Edit>DocumentLibraryForm</Edit>
+  <New>DocumentLibraryForm</New>
+</FormTemplates>
 </file>
 
 <file path=customXml/item2.xml><?xml version="1.0" encoding="utf-8"?>
@@ -14694,19 +14648,15 @@
 </file>
 
 <file path=customXml/item3.xml><?xml version="1.0" encoding="utf-8"?>
-<?mso-contentType ?>
-<FormTemplates xmlns="http://schemas.microsoft.com/sharepoint/v3/contenttype/forms">
-  <Display>DocumentLibraryForm</Display>
-  <Edit>DocumentLibraryForm</Edit>
-  <New>DocumentLibraryForm</New>
-</FormTemplates>
+<p:properties xmlns:p="http://schemas.microsoft.com/office/2006/metadata/properties" xmlns:xsi="http://www.w3.org/2001/XMLSchema-instance" xmlns:pc="http://schemas.microsoft.com/office/infopath/2007/PartnerControls">
+  <documentManagement/>
+</p:properties>
 </file>
 
 <file path=customXml/itemProps1.xml><?xml version="1.0" encoding="utf-8"?>
-<ds:datastoreItem xmlns:ds="http://schemas.openxmlformats.org/officeDocument/2006/customXml" ds:itemID="{1DA5CB71-27A8-4F27-B3EF-0B7C3FFAE0B8}">
+<ds:datastoreItem xmlns:ds="http://schemas.openxmlformats.org/officeDocument/2006/customXml" ds:itemID="{F7CCFA03-50CA-476E-8B8B-49D774F043AB}">
   <ds:schemaRefs>
-    <ds:schemaRef ds:uri="http://schemas.microsoft.com/office/2006/metadata/properties"/>
-    <ds:schemaRef ds:uri="http://schemas.microsoft.com/office/infopath/2007/PartnerControls"/>
+    <ds:schemaRef ds:uri="http://schemas.microsoft.com/sharepoint/v3/contenttype/forms"/>
   </ds:schemaRefs>
 </ds:datastoreItem>
 </file>
@@ -14730,9 +14680,10 @@
 </file>
 
 <file path=customXml/itemProps3.xml><?xml version="1.0" encoding="utf-8"?>
-<ds:datastoreItem xmlns:ds="http://schemas.openxmlformats.org/officeDocument/2006/customXml" ds:itemID="{F7CCFA03-50CA-476E-8B8B-49D774F043AB}">
+<ds:datastoreItem xmlns:ds="http://schemas.openxmlformats.org/officeDocument/2006/customXml" ds:itemID="{1DA5CB71-27A8-4F27-B3EF-0B7C3FFAE0B8}">
   <ds:schemaRefs>
-    <ds:schemaRef ds:uri="http://schemas.microsoft.com/sharepoint/v3/contenttype/forms"/>
+    <ds:schemaRef ds:uri="http://schemas.microsoft.com/office/2006/metadata/properties"/>
+    <ds:schemaRef ds:uri="http://schemas.microsoft.com/office/infopath/2007/PartnerControls"/>
   </ds:schemaRefs>
 </ds:datastoreItem>
 </file>